--- a/First Semester/Database Management Systems/Notes/6.4-DBMS_DS.pptx
+++ b/First Semester/Database Management Systems/Notes/6.4-DBMS_DS.pptx
@@ -1,45 +1,45 @@
 
 <file path=ppt/presentation.xml><?xml version="1.0" encoding="utf-8"?>
-<p:presentation xmlns:a="http://schemas.openxmlformats.org/drawingml/2006/main" xmlns:r="http://schemas.openxmlformats.org/officeDocument/2006/relationships" xmlns:p="http://schemas.openxmlformats.org/presentationml/2006/main" saveSubsetFonts="1">
+<p:presentation xmlns:a="http://schemas.openxmlformats.org/drawingml/2006/main" xmlns:r="http://schemas.openxmlformats.org/officeDocument/2006/relationships" xmlns:p="http://schemas.openxmlformats.org/presentationml/2006/main">
   <p:sldMasterIdLst>
     <p:sldMasterId id="2147483648" r:id="rId1"/>
-    <p:sldMasterId id="2147483660" r:id="rId2"/>
+    <p:sldMasterId id="2147483660" r:id="rId3"/>
   </p:sldMasterIdLst>
   <p:notesMasterIdLst>
-    <p:notesMasterId r:id="rId34"/>
+    <p:notesMasterId r:id="rId6"/>
   </p:notesMasterIdLst>
   <p:sldIdLst>
-    <p:sldId id="297" r:id="rId3"/>
-    <p:sldId id="257" r:id="rId4"/>
-    <p:sldId id="258" r:id="rId5"/>
-    <p:sldId id="259" r:id="rId6"/>
-    <p:sldId id="260" r:id="rId7"/>
-    <p:sldId id="261" r:id="rId8"/>
-    <p:sldId id="262" r:id="rId9"/>
-    <p:sldId id="263" r:id="rId10"/>
-    <p:sldId id="264" r:id="rId11"/>
-    <p:sldId id="265" r:id="rId12"/>
-    <p:sldId id="266" r:id="rId13"/>
-    <p:sldId id="267" r:id="rId14"/>
-    <p:sldId id="268" r:id="rId15"/>
-    <p:sldId id="269" r:id="rId16"/>
-    <p:sldId id="270" r:id="rId17"/>
-    <p:sldId id="271" r:id="rId18"/>
-    <p:sldId id="272" r:id="rId19"/>
-    <p:sldId id="273" r:id="rId20"/>
-    <p:sldId id="274" r:id="rId21"/>
-    <p:sldId id="275" r:id="rId22"/>
-    <p:sldId id="276" r:id="rId23"/>
-    <p:sldId id="277" r:id="rId24"/>
-    <p:sldId id="278" r:id="rId25"/>
-    <p:sldId id="279" r:id="rId26"/>
-    <p:sldId id="280" r:id="rId27"/>
-    <p:sldId id="281" r:id="rId28"/>
-    <p:sldId id="282" r:id="rId29"/>
-    <p:sldId id="286" r:id="rId30"/>
-    <p:sldId id="294" r:id="rId31"/>
-    <p:sldId id="295" r:id="rId32"/>
-    <p:sldId id="296" r:id="rId33"/>
+    <p:sldId id="297" r:id="rId4"/>
+    <p:sldId id="257" r:id="rId5"/>
+    <p:sldId id="258" r:id="rId7"/>
+    <p:sldId id="259" r:id="rId8"/>
+    <p:sldId id="260" r:id="rId9"/>
+    <p:sldId id="261" r:id="rId10"/>
+    <p:sldId id="262" r:id="rId11"/>
+    <p:sldId id="263" r:id="rId12"/>
+    <p:sldId id="264" r:id="rId13"/>
+    <p:sldId id="265" r:id="rId14"/>
+    <p:sldId id="266" r:id="rId15"/>
+    <p:sldId id="267" r:id="rId16"/>
+    <p:sldId id="268" r:id="rId17"/>
+    <p:sldId id="269" r:id="rId18"/>
+    <p:sldId id="270" r:id="rId19"/>
+    <p:sldId id="271" r:id="rId20"/>
+    <p:sldId id="272" r:id="rId21"/>
+    <p:sldId id="273" r:id="rId22"/>
+    <p:sldId id="274" r:id="rId23"/>
+    <p:sldId id="275" r:id="rId24"/>
+    <p:sldId id="276" r:id="rId25"/>
+    <p:sldId id="277" r:id="rId26"/>
+    <p:sldId id="278" r:id="rId27"/>
+    <p:sldId id="279" r:id="rId28"/>
+    <p:sldId id="280" r:id="rId29"/>
+    <p:sldId id="281" r:id="rId30"/>
+    <p:sldId id="282" r:id="rId31"/>
+    <p:sldId id="286" r:id="rId32"/>
+    <p:sldId id="294" r:id="rId33"/>
+    <p:sldId id="295" r:id="rId34"/>
+    <p:sldId id="296" r:id="rId35"/>
   </p:sldIdLst>
   <p:sldSz cx="12192000" cy="6858000"/>
   <p:notesSz cx="6858000" cy="9144000"/>
@@ -138,11 +138,6 @@
       </a:defRPr>
     </a:lvl9pPr>
   </p:defaultTextStyle>
-  <p:extLst>
-    <p:ext uri="{EFAFB233-063F-42B5-8137-9DF3F51BA10A}">
-      <p15:sldGuideLst xmlns:p15="http://schemas.microsoft.com/office/powerpoint/2012/main"/>
-    </p:ext>
-  </p:extLst>
 </p:presentation>
 </file>
 
@@ -228,7 +223,6 @@
           <a:p>
             <a:fld id="{49BC2611-58D2-4211-99C4-17C82AE0DF3C}" type="datetimeFigureOut">
               <a:rPr lang="en-US" smtClean="0"/>
-              <a:t>04/01/2022</a:t>
             </a:fld>
             <a:endParaRPr lang="en-US"/>
           </a:p>
@@ -295,6 +289,7 @@
               <a:rPr lang="en-US" smtClean="0"/>
               <a:t>Click to edit Master text styles</a:t>
             </a:r>
+            <a:endParaRPr lang="en-US" smtClean="0"/>
           </a:p>
           <a:p>
             <a:pPr lvl="1"/>
@@ -302,6 +297,7 @@
               <a:rPr lang="en-US" smtClean="0"/>
               <a:t>Second level</a:t>
             </a:r>
+            <a:endParaRPr lang="en-US" smtClean="0"/>
           </a:p>
           <a:p>
             <a:pPr lvl="2"/>
@@ -309,6 +305,7 @@
               <a:rPr lang="en-US" smtClean="0"/>
               <a:t>Third level</a:t>
             </a:r>
+            <a:endParaRPr lang="en-US" smtClean="0"/>
           </a:p>
           <a:p>
             <a:pPr lvl="3"/>
@@ -316,6 +313,7 @@
               <a:rPr lang="en-US" smtClean="0"/>
               <a:t>Fourth level</a:t>
             </a:r>
+            <a:endParaRPr lang="en-US" smtClean="0"/>
           </a:p>
           <a:p>
             <a:pPr lvl="4"/>
@@ -387,18 +385,12 @@
           <a:p>
             <a:fld id="{6E4D640B-44CD-414F-9CD1-FFA21BFA8C28}" type="slidenum">
               <a:rPr lang="en-US" smtClean="0"/>
-              <a:t>‹#›</a:t>
             </a:fld>
             <a:endParaRPr lang="en-US"/>
           </a:p>
         </p:txBody>
       </p:sp>
     </p:spTree>
-    <p:extLst>
-      <p:ext uri="{BB962C8B-B14F-4D97-AF65-F5344CB8AC3E}">
-        <p14:creationId xmlns:p14="http://schemas.microsoft.com/office/powerpoint/2010/main" val="971955693"/>
-      </p:ext>
-    </p:extLst>
   </p:cSld>
   <p:clrMap bg1="lt1" tx1="dk1" bg2="lt2" tx2="dk2" accent1="accent1" accent2="accent2" accent3="accent3" accent4="accent4" accent5="accent5" accent6="accent6" hlink="hlink" folHlink="folHlink"/>
   <p:notesStyle>
@@ -531,7 +523,6 @@
           <a:solidFill>
             <a:srgbClr val="FFFFFF"/>
           </a:solidFill>
-          <a:ln/>
         </p:spPr>
       </p:sp>
       <p:sp>
@@ -569,11 +560,6 @@
         </p:txBody>
       </p:sp>
     </p:spTree>
-    <p:extLst>
-      <p:ext uri="{BB962C8B-B14F-4D97-AF65-F5344CB8AC3E}">
-        <p14:creationId xmlns:p14="http://schemas.microsoft.com/office/powerpoint/2010/main" val="46016142"/>
-      </p:ext>
-    </p:extLst>
   </p:cSld>
   <p:clrMapOvr>
     <a:masterClrMapping/>
@@ -613,7 +599,6 @@
             <a:off x="463550" y="722313"/>
             <a:ext cx="6396038" cy="3598862"/>
           </a:xfrm>
-          <a:ln/>
         </p:spPr>
       </p:sp>
       <p:sp>
@@ -664,11 +649,6 @@
         </p:txBody>
       </p:sp>
     </p:spTree>
-    <p:extLst>
-      <p:ext uri="{BB962C8B-B14F-4D97-AF65-F5344CB8AC3E}">
-        <p14:creationId xmlns:p14="http://schemas.microsoft.com/office/powerpoint/2010/main" val="2648015252"/>
-      </p:ext>
-    </p:extLst>
   </p:cSld>
   <p:clrMapOvr>
     <a:masterClrMapping/>
@@ -708,7 +688,6 @@
             <a:off x="463550" y="722313"/>
             <a:ext cx="6396038" cy="3598862"/>
           </a:xfrm>
-          <a:ln/>
         </p:spPr>
       </p:sp>
       <p:sp>
@@ -759,11 +738,6 @@
         </p:txBody>
       </p:sp>
     </p:spTree>
-    <p:extLst>
-      <p:ext uri="{BB962C8B-B14F-4D97-AF65-F5344CB8AC3E}">
-        <p14:creationId xmlns:p14="http://schemas.microsoft.com/office/powerpoint/2010/main" val="2429158230"/>
-      </p:ext>
-    </p:extLst>
   </p:cSld>
   <p:clrMapOvr>
     <a:masterClrMapping/>
@@ -803,7 +777,6 @@
             <a:off x="463550" y="722313"/>
             <a:ext cx="6396038" cy="3598862"/>
           </a:xfrm>
-          <a:ln/>
         </p:spPr>
       </p:sp>
       <p:sp>
@@ -854,11 +827,6 @@
         </p:txBody>
       </p:sp>
     </p:spTree>
-    <p:extLst>
-      <p:ext uri="{BB962C8B-B14F-4D97-AF65-F5344CB8AC3E}">
-        <p14:creationId xmlns:p14="http://schemas.microsoft.com/office/powerpoint/2010/main" val="1266699912"/>
-      </p:ext>
-    </p:extLst>
   </p:cSld>
   <p:clrMapOvr>
     <a:masterClrMapping/>
@@ -898,7 +866,6 @@
             <a:off x="463550" y="722313"/>
             <a:ext cx="6396038" cy="3598862"/>
           </a:xfrm>
-          <a:ln/>
         </p:spPr>
       </p:sp>
       <p:sp>
@@ -949,11 +916,6 @@
         </p:txBody>
       </p:sp>
     </p:spTree>
-    <p:extLst>
-      <p:ext uri="{BB962C8B-B14F-4D97-AF65-F5344CB8AC3E}">
-        <p14:creationId xmlns:p14="http://schemas.microsoft.com/office/powerpoint/2010/main" val="2291490745"/>
-      </p:ext>
-    </p:extLst>
   </p:cSld>
   <p:clrMapOvr>
     <a:masterClrMapping/>
@@ -993,7 +955,6 @@
             <a:off x="461963" y="722313"/>
             <a:ext cx="6396037" cy="3598862"/>
           </a:xfrm>
-          <a:ln/>
         </p:spPr>
       </p:sp>
       <p:sp>
@@ -1044,11 +1005,6 @@
         </p:txBody>
       </p:sp>
     </p:spTree>
-    <p:extLst>
-      <p:ext uri="{BB962C8B-B14F-4D97-AF65-F5344CB8AC3E}">
-        <p14:creationId xmlns:p14="http://schemas.microsoft.com/office/powerpoint/2010/main" val="1183488911"/>
-      </p:ext>
-    </p:extLst>
   </p:cSld>
   <p:clrMapOvr>
     <a:masterClrMapping/>
@@ -1091,7 +1047,6 @@
           <a:solidFill>
             <a:srgbClr val="FFFFFF"/>
           </a:solidFill>
-          <a:ln/>
         </p:spPr>
       </p:sp>
       <p:sp>
@@ -1129,11 +1084,6 @@
         </p:txBody>
       </p:sp>
     </p:spTree>
-    <p:extLst>
-      <p:ext uri="{BB962C8B-B14F-4D97-AF65-F5344CB8AC3E}">
-        <p14:creationId xmlns:p14="http://schemas.microsoft.com/office/powerpoint/2010/main" val="3156567999"/>
-      </p:ext>
-    </p:extLst>
   </p:cSld>
   <p:clrMapOvr>
     <a:masterClrMapping/>
@@ -1176,7 +1126,6 @@
           <a:solidFill>
             <a:srgbClr val="FFFFFF"/>
           </a:solidFill>
-          <a:ln/>
         </p:spPr>
       </p:sp>
       <p:sp>
@@ -1214,11 +1163,6 @@
         </p:txBody>
       </p:sp>
     </p:spTree>
-    <p:extLst>
-      <p:ext uri="{BB962C8B-B14F-4D97-AF65-F5344CB8AC3E}">
-        <p14:creationId xmlns:p14="http://schemas.microsoft.com/office/powerpoint/2010/main" val="1279638655"/>
-      </p:ext>
-    </p:extLst>
   </p:cSld>
   <p:clrMapOvr>
     <a:masterClrMapping/>
@@ -1261,7 +1205,6 @@
           <a:solidFill>
             <a:srgbClr val="FFFFFF"/>
           </a:solidFill>
-          <a:ln/>
         </p:spPr>
       </p:sp>
       <p:sp>
@@ -1299,11 +1242,6 @@
         </p:txBody>
       </p:sp>
     </p:spTree>
-    <p:extLst>
-      <p:ext uri="{BB962C8B-B14F-4D97-AF65-F5344CB8AC3E}">
-        <p14:creationId xmlns:p14="http://schemas.microsoft.com/office/powerpoint/2010/main" val="4236975113"/>
-      </p:ext>
-    </p:extLst>
   </p:cSld>
   <p:clrMapOvr>
     <a:masterClrMapping/>
@@ -1346,7 +1284,6 @@
           <a:solidFill>
             <a:srgbClr val="FFFFFF"/>
           </a:solidFill>
-          <a:ln/>
         </p:spPr>
       </p:sp>
       <p:sp>
@@ -1384,11 +1321,6 @@
         </p:txBody>
       </p:sp>
     </p:spTree>
-    <p:extLst>
-      <p:ext uri="{BB962C8B-B14F-4D97-AF65-F5344CB8AC3E}">
-        <p14:creationId xmlns:p14="http://schemas.microsoft.com/office/powerpoint/2010/main" val="1527135605"/>
-      </p:ext>
-    </p:extLst>
   </p:cSld>
   <p:clrMapOvr>
     <a:masterClrMapping/>
@@ -1431,7 +1363,6 @@
           <a:solidFill>
             <a:srgbClr val="FFFFFF"/>
           </a:solidFill>
-          <a:ln/>
         </p:spPr>
       </p:sp>
       <p:sp>
@@ -1469,11 +1400,6 @@
         </p:txBody>
       </p:sp>
     </p:spTree>
-    <p:extLst>
-      <p:ext uri="{BB962C8B-B14F-4D97-AF65-F5344CB8AC3E}">
-        <p14:creationId xmlns:p14="http://schemas.microsoft.com/office/powerpoint/2010/main" val="2192134401"/>
-      </p:ext>
-    </p:extLst>
   </p:cSld>
   <p:clrMapOvr>
     <a:masterClrMapping/>
@@ -1513,7 +1439,6 @@
             <a:off x="461963" y="722313"/>
             <a:ext cx="6396037" cy="3598862"/>
           </a:xfrm>
-          <a:ln/>
         </p:spPr>
       </p:sp>
       <p:sp>
@@ -1564,11 +1489,6 @@
         </p:txBody>
       </p:sp>
     </p:spTree>
-    <p:extLst>
-      <p:ext uri="{BB962C8B-B14F-4D97-AF65-F5344CB8AC3E}">
-        <p14:creationId xmlns:p14="http://schemas.microsoft.com/office/powerpoint/2010/main" val="2333795739"/>
-      </p:ext>
-    </p:extLst>
   </p:cSld>
   <p:clrMapOvr>
     <a:masterClrMapping/>
@@ -1608,7 +1528,6 @@
             <a:off x="463550" y="722313"/>
             <a:ext cx="6396038" cy="3598862"/>
           </a:xfrm>
-          <a:ln/>
         </p:spPr>
       </p:sp>
       <p:sp>
@@ -1659,11 +1578,6 @@
         </p:txBody>
       </p:sp>
     </p:spTree>
-    <p:extLst>
-      <p:ext uri="{BB962C8B-B14F-4D97-AF65-F5344CB8AC3E}">
-        <p14:creationId xmlns:p14="http://schemas.microsoft.com/office/powerpoint/2010/main" val="2874313944"/>
-      </p:ext>
-    </p:extLst>
   </p:cSld>
   <p:clrMapOvr>
     <a:masterClrMapping/>
@@ -1703,7 +1617,6 @@
             <a:off x="463550" y="722313"/>
             <a:ext cx="6396038" cy="3598862"/>
           </a:xfrm>
-          <a:ln/>
         </p:spPr>
       </p:sp>
       <p:sp>
@@ -1754,11 +1667,6 @@
         </p:txBody>
       </p:sp>
     </p:spTree>
-    <p:extLst>
-      <p:ext uri="{BB962C8B-B14F-4D97-AF65-F5344CB8AC3E}">
-        <p14:creationId xmlns:p14="http://schemas.microsoft.com/office/powerpoint/2010/main" val="4237230241"/>
-      </p:ext>
-    </p:extLst>
   </p:cSld>
   <p:clrMapOvr>
     <a:masterClrMapping/>
@@ -1798,7 +1706,6 @@
             <a:off x="463550" y="722313"/>
             <a:ext cx="6396038" cy="3598862"/>
           </a:xfrm>
-          <a:ln/>
         </p:spPr>
       </p:sp>
       <p:sp>
@@ -1849,11 +1756,6 @@
         </p:txBody>
       </p:sp>
     </p:spTree>
-    <p:extLst>
-      <p:ext uri="{BB962C8B-B14F-4D97-AF65-F5344CB8AC3E}">
-        <p14:creationId xmlns:p14="http://schemas.microsoft.com/office/powerpoint/2010/main" val="2505476568"/>
-      </p:ext>
-    </p:extLst>
   </p:cSld>
   <p:clrMapOvr>
     <a:masterClrMapping/>
@@ -1992,7 +1894,6 @@
           <a:p>
             <a:fld id="{D7DC5F78-798E-477A-BAA8-1992F0A2F172}" type="datetimeFigureOut">
               <a:rPr lang="en-US" smtClean="0"/>
-              <a:t>04/01/2022</a:t>
             </a:fld>
             <a:endParaRPr lang="en-US"/>
           </a:p>
@@ -2034,18 +1935,12 @@
           <a:p>
             <a:fld id="{82EE7908-58B7-4640-B126-33E0B3DDACA5}" type="slidenum">
               <a:rPr lang="en-US" smtClean="0"/>
-              <a:t>‹#›</a:t>
             </a:fld>
             <a:endParaRPr lang="en-US"/>
           </a:p>
         </p:txBody>
       </p:sp>
     </p:spTree>
-    <p:extLst>
-      <p:ext uri="{BB962C8B-B14F-4D97-AF65-F5344CB8AC3E}">
-        <p14:creationId xmlns:p14="http://schemas.microsoft.com/office/powerpoint/2010/main" val="797064227"/>
-      </p:ext>
-    </p:extLst>
   </p:cSld>
   <p:clrMapOvr>
     <a:masterClrMapping/>
@@ -2113,6 +2008,7 @@
               <a:rPr lang="en-US" smtClean="0"/>
               <a:t>Click to edit Master text styles</a:t>
             </a:r>
+            <a:endParaRPr lang="en-US" smtClean="0"/>
           </a:p>
           <a:p>
             <a:pPr lvl="1"/>
@@ -2120,6 +2016,7 @@
               <a:rPr lang="en-US" smtClean="0"/>
               <a:t>Second level</a:t>
             </a:r>
+            <a:endParaRPr lang="en-US" smtClean="0"/>
           </a:p>
           <a:p>
             <a:pPr lvl="2"/>
@@ -2127,6 +2024,7 @@
               <a:rPr lang="en-US" smtClean="0"/>
               <a:t>Third level</a:t>
             </a:r>
+            <a:endParaRPr lang="en-US" smtClean="0"/>
           </a:p>
           <a:p>
             <a:pPr lvl="3"/>
@@ -2134,6 +2032,7 @@
               <a:rPr lang="en-US" smtClean="0"/>
               <a:t>Fourth level</a:t>
             </a:r>
+            <a:endParaRPr lang="en-US" smtClean="0"/>
           </a:p>
           <a:p>
             <a:pPr lvl="4"/>
@@ -2162,7 +2061,6 @@
           <a:p>
             <a:fld id="{D7DC5F78-798E-477A-BAA8-1992F0A2F172}" type="datetimeFigureOut">
               <a:rPr lang="en-US" smtClean="0"/>
-              <a:t>04/01/2022</a:t>
             </a:fld>
             <a:endParaRPr lang="en-US"/>
           </a:p>
@@ -2204,18 +2102,12 @@
           <a:p>
             <a:fld id="{82EE7908-58B7-4640-B126-33E0B3DDACA5}" type="slidenum">
               <a:rPr lang="en-US" smtClean="0"/>
-              <a:t>‹#›</a:t>
             </a:fld>
             <a:endParaRPr lang="en-US"/>
           </a:p>
         </p:txBody>
       </p:sp>
     </p:spTree>
-    <p:extLst>
-      <p:ext uri="{BB962C8B-B14F-4D97-AF65-F5344CB8AC3E}">
-        <p14:creationId xmlns:p14="http://schemas.microsoft.com/office/powerpoint/2010/main" val="4153831129"/>
-      </p:ext>
-    </p:extLst>
   </p:cSld>
   <p:clrMapOvr>
     <a:masterClrMapping/>
@@ -2293,6 +2185,7 @@
               <a:rPr lang="en-US" smtClean="0"/>
               <a:t>Click to edit Master text styles</a:t>
             </a:r>
+            <a:endParaRPr lang="en-US" smtClean="0"/>
           </a:p>
           <a:p>
             <a:pPr lvl="1"/>
@@ -2300,6 +2193,7 @@
               <a:rPr lang="en-US" smtClean="0"/>
               <a:t>Second level</a:t>
             </a:r>
+            <a:endParaRPr lang="en-US" smtClean="0"/>
           </a:p>
           <a:p>
             <a:pPr lvl="2"/>
@@ -2307,6 +2201,7 @@
               <a:rPr lang="en-US" smtClean="0"/>
               <a:t>Third level</a:t>
             </a:r>
+            <a:endParaRPr lang="en-US" smtClean="0"/>
           </a:p>
           <a:p>
             <a:pPr lvl="3"/>
@@ -2314,6 +2209,7 @@
               <a:rPr lang="en-US" smtClean="0"/>
               <a:t>Fourth level</a:t>
             </a:r>
+            <a:endParaRPr lang="en-US" smtClean="0"/>
           </a:p>
           <a:p>
             <a:pPr lvl="4"/>
@@ -2342,7 +2238,6 @@
           <a:p>
             <a:fld id="{D7DC5F78-798E-477A-BAA8-1992F0A2F172}" type="datetimeFigureOut">
               <a:rPr lang="en-US" smtClean="0"/>
-              <a:t>04/01/2022</a:t>
             </a:fld>
             <a:endParaRPr lang="en-US"/>
           </a:p>
@@ -2384,18 +2279,12 @@
           <a:p>
             <a:fld id="{82EE7908-58B7-4640-B126-33E0B3DDACA5}" type="slidenum">
               <a:rPr lang="en-US" smtClean="0"/>
-              <a:t>‹#›</a:t>
             </a:fld>
             <a:endParaRPr lang="en-US"/>
           </a:p>
         </p:txBody>
       </p:sp>
     </p:spTree>
-    <p:extLst>
-      <p:ext uri="{BB962C8B-B14F-4D97-AF65-F5344CB8AC3E}">
-        <p14:creationId xmlns:p14="http://schemas.microsoft.com/office/powerpoint/2010/main" val="3998943422"/>
-      </p:ext>
-    </p:extLst>
   </p:cSld>
   <p:clrMapOvr>
     <a:masterClrMapping/>
@@ -2551,8 +2440,6 @@
                   </a:prstClr>
                 </a:solidFill>
               </a:rPr>
-              <a:pPr/>
-              <a:t>04/01/2022</a:t>
             </a:fld>
             <a:endParaRPr lang="en-US">
               <a:solidFill>
@@ -2612,8 +2499,6 @@
                   </a:prstClr>
                 </a:solidFill>
               </a:rPr>
-              <a:pPr/>
-              <a:t>‹#›</a:t>
             </a:fld>
             <a:endParaRPr lang="en-US">
               <a:solidFill>
@@ -2626,11 +2511,6 @@
         </p:txBody>
       </p:sp>
     </p:spTree>
-    <p:extLst>
-      <p:ext uri="{BB962C8B-B14F-4D97-AF65-F5344CB8AC3E}">
-        <p14:creationId xmlns:p14="http://schemas.microsoft.com/office/powerpoint/2010/main" val="714756482"/>
-      </p:ext>
-    </p:extLst>
   </p:cSld>
   <p:clrMapOvr>
     <a:masterClrMapping/>
@@ -2709,6 +2589,7 @@
               <a:rPr lang="en-US" dirty="0" smtClean="0"/>
               <a:t>Click to edit Master text styles</a:t>
             </a:r>
+            <a:endParaRPr lang="en-US" dirty="0" smtClean="0"/>
           </a:p>
           <a:p>
             <a:pPr lvl="1"/>
@@ -2716,6 +2597,7 @@
               <a:rPr lang="en-US" dirty="0" smtClean="0"/>
               <a:t>Second level</a:t>
             </a:r>
+            <a:endParaRPr lang="en-US" dirty="0" smtClean="0"/>
           </a:p>
           <a:p>
             <a:pPr lvl="2"/>
@@ -2723,6 +2605,7 @@
               <a:rPr lang="en-US" dirty="0" smtClean="0"/>
               <a:t>Third level</a:t>
             </a:r>
+            <a:endParaRPr lang="en-US" dirty="0" smtClean="0"/>
           </a:p>
           <a:p>
             <a:pPr lvl="3"/>
@@ -2730,6 +2613,7 @@
               <a:rPr lang="en-US" dirty="0" smtClean="0"/>
               <a:t>Fourth level</a:t>
             </a:r>
+            <a:endParaRPr lang="en-US" dirty="0" smtClean="0"/>
           </a:p>
           <a:p>
             <a:pPr lvl="4"/>
@@ -2764,8 +2648,6 @@
                   </a:prstClr>
                 </a:solidFill>
               </a:rPr>
-              <a:pPr/>
-              <a:t>04/01/2022</a:t>
             </a:fld>
             <a:endParaRPr lang="en-US">
               <a:solidFill>
@@ -2825,8 +2707,6 @@
                   </a:prstClr>
                 </a:solidFill>
               </a:rPr>
-              <a:pPr/>
-              <a:t>‹#›</a:t>
             </a:fld>
             <a:endParaRPr lang="en-US">
               <a:solidFill>
@@ -2839,11 +2719,6 @@
         </p:txBody>
       </p:sp>
     </p:spTree>
-    <p:extLst>
-      <p:ext uri="{BB962C8B-B14F-4D97-AF65-F5344CB8AC3E}">
-        <p14:creationId xmlns:p14="http://schemas.microsoft.com/office/powerpoint/2010/main" val="2302119681"/>
-      </p:ext>
-    </p:extLst>
   </p:cSld>
   <p:clrMapOvr>
     <a:masterClrMapping/>
@@ -3016,6 +2891,7 @@
               <a:rPr lang="en-US" smtClean="0"/>
               <a:t>Click to edit Master text styles</a:t>
             </a:r>
+            <a:endParaRPr lang="en-US" smtClean="0"/>
           </a:p>
         </p:txBody>
       </p:sp>
@@ -3042,8 +2918,6 @@
                   </a:prstClr>
                 </a:solidFill>
               </a:rPr>
-              <a:pPr/>
-              <a:t>04/01/2022</a:t>
             </a:fld>
             <a:endParaRPr lang="en-US">
               <a:solidFill>
@@ -3103,8 +2977,6 @@
                   </a:prstClr>
                 </a:solidFill>
               </a:rPr>
-              <a:pPr/>
-              <a:t>‹#›</a:t>
             </a:fld>
             <a:endParaRPr lang="en-US">
               <a:solidFill>
@@ -3117,11 +2989,6 @@
         </p:txBody>
       </p:sp>
     </p:spTree>
-    <p:extLst>
-      <p:ext uri="{BB962C8B-B14F-4D97-AF65-F5344CB8AC3E}">
-        <p14:creationId xmlns:p14="http://schemas.microsoft.com/office/powerpoint/2010/main" val="3787445950"/>
-      </p:ext>
-    </p:extLst>
   </p:cSld>
   <p:clrMapOvr>
     <a:masterClrMapping/>
@@ -3194,6 +3061,7 @@
               <a:rPr lang="en-US" smtClean="0"/>
               <a:t>Click to edit Master text styles</a:t>
             </a:r>
+            <a:endParaRPr lang="en-US" smtClean="0"/>
           </a:p>
           <a:p>
             <a:pPr lvl="1"/>
@@ -3201,6 +3069,7 @@
               <a:rPr lang="en-US" smtClean="0"/>
               <a:t>Second level</a:t>
             </a:r>
+            <a:endParaRPr lang="en-US" smtClean="0"/>
           </a:p>
           <a:p>
             <a:pPr lvl="2"/>
@@ -3208,6 +3077,7 @@
               <a:rPr lang="en-US" smtClean="0"/>
               <a:t>Third level</a:t>
             </a:r>
+            <a:endParaRPr lang="en-US" smtClean="0"/>
           </a:p>
           <a:p>
             <a:pPr lvl="3"/>
@@ -3215,6 +3085,7 @@
               <a:rPr lang="en-US" smtClean="0"/>
               <a:t>Fourth level</a:t>
             </a:r>
+            <a:endParaRPr lang="en-US" smtClean="0"/>
           </a:p>
           <a:p>
             <a:pPr lvl="4"/>
@@ -3251,6 +3122,7 @@
               <a:rPr lang="en-US" smtClean="0"/>
               <a:t>Click to edit Master text styles</a:t>
             </a:r>
+            <a:endParaRPr lang="en-US" smtClean="0"/>
           </a:p>
           <a:p>
             <a:pPr lvl="1"/>
@@ -3258,6 +3130,7 @@
               <a:rPr lang="en-US" smtClean="0"/>
               <a:t>Second level</a:t>
             </a:r>
+            <a:endParaRPr lang="en-US" smtClean="0"/>
           </a:p>
           <a:p>
             <a:pPr lvl="2"/>
@@ -3265,6 +3138,7 @@
               <a:rPr lang="en-US" smtClean="0"/>
               <a:t>Third level</a:t>
             </a:r>
+            <a:endParaRPr lang="en-US" smtClean="0"/>
           </a:p>
           <a:p>
             <a:pPr lvl="3"/>
@@ -3272,6 +3146,7 @@
               <a:rPr lang="en-US" smtClean="0"/>
               <a:t>Fourth level</a:t>
             </a:r>
+            <a:endParaRPr lang="en-US" smtClean="0"/>
           </a:p>
           <a:p>
             <a:pPr lvl="4"/>
@@ -3306,8 +3181,6 @@
                   </a:prstClr>
                 </a:solidFill>
               </a:rPr>
-              <a:pPr/>
-              <a:t>04/01/2022</a:t>
             </a:fld>
             <a:endParaRPr lang="en-US">
               <a:solidFill>
@@ -3367,8 +3240,6 @@
                   </a:prstClr>
                 </a:solidFill>
               </a:rPr>
-              <a:pPr/>
-              <a:t>‹#›</a:t>
             </a:fld>
             <a:endParaRPr lang="en-US">
               <a:solidFill>
@@ -3381,11 +3252,6 @@
         </p:txBody>
       </p:sp>
     </p:spTree>
-    <p:extLst>
-      <p:ext uri="{BB962C8B-B14F-4D97-AF65-F5344CB8AC3E}">
-        <p14:creationId xmlns:p14="http://schemas.microsoft.com/office/powerpoint/2010/main" val="3275724432"/>
-      </p:ext>
-    </p:extLst>
   </p:cSld>
   <p:clrMapOvr>
     <a:masterClrMapping/>
@@ -3500,6 +3366,7 @@
               <a:rPr lang="en-US" smtClean="0"/>
               <a:t>Click to edit Master text styles</a:t>
             </a:r>
+            <a:endParaRPr lang="en-US" smtClean="0"/>
           </a:p>
         </p:txBody>
       </p:sp>
@@ -3528,6 +3395,7 @@
               <a:rPr lang="en-US" smtClean="0"/>
               <a:t>Click to edit Master text styles</a:t>
             </a:r>
+            <a:endParaRPr lang="en-US" smtClean="0"/>
           </a:p>
           <a:p>
             <a:pPr lvl="1"/>
@@ -3535,6 +3403,7 @@
               <a:rPr lang="en-US" smtClean="0"/>
               <a:t>Second level</a:t>
             </a:r>
+            <a:endParaRPr lang="en-US" smtClean="0"/>
           </a:p>
           <a:p>
             <a:pPr lvl="2"/>
@@ -3542,6 +3411,7 @@
               <a:rPr lang="en-US" smtClean="0"/>
               <a:t>Third level</a:t>
             </a:r>
+            <a:endParaRPr lang="en-US" smtClean="0"/>
           </a:p>
           <a:p>
             <a:pPr lvl="3"/>
@@ -3549,6 +3419,7 @@
               <a:rPr lang="en-US" smtClean="0"/>
               <a:t>Fourth level</a:t>
             </a:r>
+            <a:endParaRPr lang="en-US" smtClean="0"/>
           </a:p>
           <a:p>
             <a:pPr lvl="4"/>
@@ -3622,6 +3493,7 @@
               <a:rPr lang="en-US" smtClean="0"/>
               <a:t>Click to edit Master text styles</a:t>
             </a:r>
+            <a:endParaRPr lang="en-US" smtClean="0"/>
           </a:p>
         </p:txBody>
       </p:sp>
@@ -3650,6 +3522,7 @@
               <a:rPr lang="en-US" smtClean="0"/>
               <a:t>Click to edit Master text styles</a:t>
             </a:r>
+            <a:endParaRPr lang="en-US" smtClean="0"/>
           </a:p>
           <a:p>
             <a:pPr lvl="1"/>
@@ -3657,6 +3530,7 @@
               <a:rPr lang="en-US" smtClean="0"/>
               <a:t>Second level</a:t>
             </a:r>
+            <a:endParaRPr lang="en-US" smtClean="0"/>
           </a:p>
           <a:p>
             <a:pPr lvl="2"/>
@@ -3664,6 +3538,7 @@
               <a:rPr lang="en-US" smtClean="0"/>
               <a:t>Third level</a:t>
             </a:r>
+            <a:endParaRPr lang="en-US" smtClean="0"/>
           </a:p>
           <a:p>
             <a:pPr lvl="3"/>
@@ -3671,6 +3546,7 @@
               <a:rPr lang="en-US" smtClean="0"/>
               <a:t>Fourth level</a:t>
             </a:r>
+            <a:endParaRPr lang="en-US" smtClean="0"/>
           </a:p>
           <a:p>
             <a:pPr lvl="4"/>
@@ -3705,8 +3581,6 @@
                   </a:prstClr>
                 </a:solidFill>
               </a:rPr>
-              <a:pPr/>
-              <a:t>04/01/2022</a:t>
             </a:fld>
             <a:endParaRPr lang="en-US">
               <a:solidFill>
@@ -3766,8 +3640,6 @@
                   </a:prstClr>
                 </a:solidFill>
               </a:rPr>
-              <a:pPr/>
-              <a:t>‹#›</a:t>
             </a:fld>
             <a:endParaRPr lang="en-US">
               <a:solidFill>
@@ -3780,11 +3652,6 @@
         </p:txBody>
       </p:sp>
     </p:spTree>
-    <p:extLst>
-      <p:ext uri="{BB962C8B-B14F-4D97-AF65-F5344CB8AC3E}">
-        <p14:creationId xmlns:p14="http://schemas.microsoft.com/office/powerpoint/2010/main" val="3060459540"/>
-      </p:ext>
-    </p:extLst>
   </p:cSld>
   <p:clrMapOvr>
     <a:masterClrMapping/>
@@ -3855,8 +3722,6 @@
                   </a:prstClr>
                 </a:solidFill>
               </a:rPr>
-              <a:pPr/>
-              <a:t>04/01/2022</a:t>
             </a:fld>
             <a:endParaRPr lang="en-US">
               <a:solidFill>
@@ -3916,8 +3781,6 @@
                   </a:prstClr>
                 </a:solidFill>
               </a:rPr>
-              <a:pPr/>
-              <a:t>‹#›</a:t>
             </a:fld>
             <a:endParaRPr lang="en-US">
               <a:solidFill>
@@ -3930,11 +3793,6 @@
         </p:txBody>
       </p:sp>
     </p:spTree>
-    <p:extLst>
-      <p:ext uri="{BB962C8B-B14F-4D97-AF65-F5344CB8AC3E}">
-        <p14:creationId xmlns:p14="http://schemas.microsoft.com/office/powerpoint/2010/main" val="645867771"/>
-      </p:ext>
-    </p:extLst>
   </p:cSld>
   <p:clrMapOvr>
     <a:masterClrMapping/>
@@ -3982,8 +3840,6 @@
                   </a:prstClr>
                 </a:solidFill>
               </a:rPr>
-              <a:pPr/>
-              <a:t>04/01/2022</a:t>
             </a:fld>
             <a:endParaRPr lang="en-US">
               <a:solidFill>
@@ -4043,8 +3899,6 @@
                   </a:prstClr>
                 </a:solidFill>
               </a:rPr>
-              <a:pPr/>
-              <a:t>‹#›</a:t>
             </a:fld>
             <a:endParaRPr lang="en-US">
               <a:solidFill>
@@ -4057,11 +3911,6 @@
         </p:txBody>
       </p:sp>
     </p:spTree>
-    <p:extLst>
-      <p:ext uri="{BB962C8B-B14F-4D97-AF65-F5344CB8AC3E}">
-        <p14:creationId xmlns:p14="http://schemas.microsoft.com/office/powerpoint/2010/main" val="1824273002"/>
-      </p:ext>
-    </p:extLst>
   </p:cSld>
   <p:clrMapOvr>
     <a:masterClrMapping/>
@@ -4171,6 +4020,7 @@
               <a:rPr lang="en-US" smtClean="0"/>
               <a:t>Click to edit Master text styles</a:t>
             </a:r>
+            <a:endParaRPr lang="en-US" smtClean="0"/>
           </a:p>
           <a:p>
             <a:pPr lvl="1"/>
@@ -4178,6 +4028,7 @@
               <a:rPr lang="en-US" smtClean="0"/>
               <a:t>Second level</a:t>
             </a:r>
+            <a:endParaRPr lang="en-US" smtClean="0"/>
           </a:p>
           <a:p>
             <a:pPr lvl="2"/>
@@ -4185,6 +4036,7 @@
               <a:rPr lang="en-US" smtClean="0"/>
               <a:t>Third level</a:t>
             </a:r>
+            <a:endParaRPr lang="en-US" smtClean="0"/>
           </a:p>
           <a:p>
             <a:pPr lvl="3"/>
@@ -4192,6 +4044,7 @@
               <a:rPr lang="en-US" smtClean="0"/>
               <a:t>Fourth level</a:t>
             </a:r>
+            <a:endParaRPr lang="en-US" smtClean="0"/>
           </a:p>
           <a:p>
             <a:pPr lvl="4"/>
@@ -4265,6 +4118,7 @@
               <a:rPr lang="en-US" smtClean="0"/>
               <a:t>Click to edit Master text styles</a:t>
             </a:r>
+            <a:endParaRPr lang="en-US" smtClean="0"/>
           </a:p>
         </p:txBody>
       </p:sp>
@@ -4291,8 +4145,6 @@
                   </a:prstClr>
                 </a:solidFill>
               </a:rPr>
-              <a:pPr/>
-              <a:t>04/01/2022</a:t>
             </a:fld>
             <a:endParaRPr lang="en-US">
               <a:solidFill>
@@ -4352,8 +4204,6 @@
                   </a:prstClr>
                 </a:solidFill>
               </a:rPr>
-              <a:pPr/>
-              <a:t>‹#›</a:t>
             </a:fld>
             <a:endParaRPr lang="en-US">
               <a:solidFill>
@@ -4366,11 +4216,6 @@
         </p:txBody>
       </p:sp>
     </p:spTree>
-    <p:extLst>
-      <p:ext uri="{BB962C8B-B14F-4D97-AF65-F5344CB8AC3E}">
-        <p14:creationId xmlns:p14="http://schemas.microsoft.com/office/powerpoint/2010/main" val="30111791"/>
-      </p:ext>
-    </p:extLst>
   </p:cSld>
   <p:clrMapOvr>
     <a:masterClrMapping/>
@@ -4438,6 +4283,7 @@
               <a:rPr lang="en-US" smtClean="0"/>
               <a:t>Click to edit Master text styles</a:t>
             </a:r>
+            <a:endParaRPr lang="en-US" smtClean="0"/>
           </a:p>
           <a:p>
             <a:pPr lvl="1"/>
@@ -4445,6 +4291,7 @@
               <a:rPr lang="en-US" smtClean="0"/>
               <a:t>Second level</a:t>
             </a:r>
+            <a:endParaRPr lang="en-US" smtClean="0"/>
           </a:p>
           <a:p>
             <a:pPr lvl="2"/>
@@ -4452,6 +4299,7 @@
               <a:rPr lang="en-US" smtClean="0"/>
               <a:t>Third level</a:t>
             </a:r>
+            <a:endParaRPr lang="en-US" smtClean="0"/>
           </a:p>
           <a:p>
             <a:pPr lvl="3"/>
@@ -4459,6 +4307,7 @@
               <a:rPr lang="en-US" smtClean="0"/>
               <a:t>Fourth level</a:t>
             </a:r>
+            <a:endParaRPr lang="en-US" smtClean="0"/>
           </a:p>
           <a:p>
             <a:pPr lvl="4"/>
@@ -4487,7 +4336,6 @@
           <a:p>
             <a:fld id="{D7DC5F78-798E-477A-BAA8-1992F0A2F172}" type="datetimeFigureOut">
               <a:rPr lang="en-US" smtClean="0"/>
-              <a:t>04/01/2022</a:t>
             </a:fld>
             <a:endParaRPr lang="en-US"/>
           </a:p>
@@ -4529,18 +4377,12 @@
           <a:p>
             <a:fld id="{82EE7908-58B7-4640-B126-33E0B3DDACA5}" type="slidenum">
               <a:rPr lang="en-US" smtClean="0"/>
-              <a:t>‹#›</a:t>
             </a:fld>
             <a:endParaRPr lang="en-US"/>
           </a:p>
         </p:txBody>
       </p:sp>
     </p:spTree>
-    <p:extLst>
-      <p:ext uri="{BB962C8B-B14F-4D97-AF65-F5344CB8AC3E}">
-        <p14:creationId xmlns:p14="http://schemas.microsoft.com/office/powerpoint/2010/main" val="826223910"/>
-      </p:ext>
-    </p:extLst>
   </p:cSld>
   <p:clrMapOvr>
     <a:masterClrMapping/>
@@ -4720,6 +4562,7 @@
               <a:rPr lang="en-US" smtClean="0"/>
               <a:t>Click to edit Master text styles</a:t>
             </a:r>
+            <a:endParaRPr lang="en-US" smtClean="0"/>
           </a:p>
         </p:txBody>
       </p:sp>
@@ -4746,8 +4589,6 @@
                   </a:prstClr>
                 </a:solidFill>
               </a:rPr>
-              <a:pPr/>
-              <a:t>04/01/2022</a:t>
             </a:fld>
             <a:endParaRPr lang="en-US">
               <a:solidFill>
@@ -4807,8 +4648,6 @@
                   </a:prstClr>
                 </a:solidFill>
               </a:rPr>
-              <a:pPr/>
-              <a:t>‹#›</a:t>
             </a:fld>
             <a:endParaRPr lang="en-US">
               <a:solidFill>
@@ -4821,11 +4660,6 @@
         </p:txBody>
       </p:sp>
     </p:spTree>
-    <p:extLst>
-      <p:ext uri="{BB962C8B-B14F-4D97-AF65-F5344CB8AC3E}">
-        <p14:creationId xmlns:p14="http://schemas.microsoft.com/office/powerpoint/2010/main" val="2144824275"/>
-      </p:ext>
-    </p:extLst>
   </p:cSld>
   <p:clrMapOvr>
     <a:masterClrMapping/>
@@ -4893,6 +4727,7 @@
               <a:rPr lang="en-US" smtClean="0"/>
               <a:t>Click to edit Master text styles</a:t>
             </a:r>
+            <a:endParaRPr lang="en-US" smtClean="0"/>
           </a:p>
           <a:p>
             <a:pPr lvl="1"/>
@@ -4900,6 +4735,7 @@
               <a:rPr lang="en-US" smtClean="0"/>
               <a:t>Second level</a:t>
             </a:r>
+            <a:endParaRPr lang="en-US" smtClean="0"/>
           </a:p>
           <a:p>
             <a:pPr lvl="2"/>
@@ -4907,6 +4743,7 @@
               <a:rPr lang="en-US" smtClean="0"/>
               <a:t>Third level</a:t>
             </a:r>
+            <a:endParaRPr lang="en-US" smtClean="0"/>
           </a:p>
           <a:p>
             <a:pPr lvl="3"/>
@@ -4914,6 +4751,7 @@
               <a:rPr lang="en-US" smtClean="0"/>
               <a:t>Fourth level</a:t>
             </a:r>
+            <a:endParaRPr lang="en-US" smtClean="0"/>
           </a:p>
           <a:p>
             <a:pPr lvl="4"/>
@@ -4948,8 +4786,6 @@
                   </a:prstClr>
                 </a:solidFill>
               </a:rPr>
-              <a:pPr/>
-              <a:t>04/01/2022</a:t>
             </a:fld>
             <a:endParaRPr lang="en-US">
               <a:solidFill>
@@ -5009,8 +4845,6 @@
                   </a:prstClr>
                 </a:solidFill>
               </a:rPr>
-              <a:pPr/>
-              <a:t>‹#›</a:t>
             </a:fld>
             <a:endParaRPr lang="en-US">
               <a:solidFill>
@@ -5023,11 +4857,6 @@
         </p:txBody>
       </p:sp>
     </p:spTree>
-    <p:extLst>
-      <p:ext uri="{BB962C8B-B14F-4D97-AF65-F5344CB8AC3E}">
-        <p14:creationId xmlns:p14="http://schemas.microsoft.com/office/powerpoint/2010/main" val="1491562593"/>
-      </p:ext>
-    </p:extLst>
   </p:cSld>
   <p:clrMapOvr>
     <a:masterClrMapping/>
@@ -5105,6 +4934,7 @@
               <a:rPr lang="en-US" smtClean="0"/>
               <a:t>Click to edit Master text styles</a:t>
             </a:r>
+            <a:endParaRPr lang="en-US" smtClean="0"/>
           </a:p>
           <a:p>
             <a:pPr lvl="1"/>
@@ -5112,6 +4942,7 @@
               <a:rPr lang="en-US" smtClean="0"/>
               <a:t>Second level</a:t>
             </a:r>
+            <a:endParaRPr lang="en-US" smtClean="0"/>
           </a:p>
           <a:p>
             <a:pPr lvl="2"/>
@@ -5119,6 +4950,7 @@
               <a:rPr lang="en-US" smtClean="0"/>
               <a:t>Third level</a:t>
             </a:r>
+            <a:endParaRPr lang="en-US" smtClean="0"/>
           </a:p>
           <a:p>
             <a:pPr lvl="3"/>
@@ -5126,6 +4958,7 @@
               <a:rPr lang="en-US" smtClean="0"/>
               <a:t>Fourth level</a:t>
             </a:r>
+            <a:endParaRPr lang="en-US" smtClean="0"/>
           </a:p>
           <a:p>
             <a:pPr lvl="4"/>
@@ -5160,8 +4993,6 @@
                   </a:prstClr>
                 </a:solidFill>
               </a:rPr>
-              <a:pPr/>
-              <a:t>04/01/2022</a:t>
             </a:fld>
             <a:endParaRPr lang="en-US">
               <a:solidFill>
@@ -5221,8 +5052,6 @@
                   </a:prstClr>
                 </a:solidFill>
               </a:rPr>
-              <a:pPr/>
-              <a:t>‹#›</a:t>
             </a:fld>
             <a:endParaRPr lang="en-US">
               <a:solidFill>
@@ -5235,11 +5064,6 @@
         </p:txBody>
       </p:sp>
     </p:spTree>
-    <p:extLst>
-      <p:ext uri="{BB962C8B-B14F-4D97-AF65-F5344CB8AC3E}">
-        <p14:creationId xmlns:p14="http://schemas.microsoft.com/office/powerpoint/2010/main" val="13769310"/>
-      </p:ext>
-    </p:extLst>
   </p:cSld>
   <p:clrMapOvr>
     <a:masterClrMapping/>
@@ -5288,6 +5112,7 @@
               <a:rPr lang="en-US"/>
               <a:t>Click to edit Master title style</a:t>
             </a:r>
+            <a:endParaRPr lang="en-US"/>
           </a:p>
         </p:txBody>
       </p:sp>
@@ -5316,6 +5141,7 @@
               <a:rPr lang="en-US"/>
               <a:t>Click to edit Master text styles</a:t>
             </a:r>
+            <a:endParaRPr lang="en-US"/>
           </a:p>
           <a:p>
             <a:pPr lvl="1"/>
@@ -5323,6 +5149,7 @@
               <a:rPr lang="en-US"/>
               <a:t>Second level</a:t>
             </a:r>
+            <a:endParaRPr lang="en-US"/>
           </a:p>
           <a:p>
             <a:pPr lvl="2"/>
@@ -5330,6 +5157,7 @@
               <a:rPr lang="en-US"/>
               <a:t>Third level</a:t>
             </a:r>
+            <a:endParaRPr lang="en-US"/>
           </a:p>
           <a:p>
             <a:pPr lvl="3"/>
@@ -5337,6 +5165,7 @@
               <a:rPr lang="en-US"/>
               <a:t>Fourth level</a:t>
             </a:r>
+            <a:endParaRPr lang="en-US"/>
           </a:p>
           <a:p>
             <a:pPr lvl="4"/>
@@ -5344,6 +5173,7 @@
               <a:rPr lang="en-US"/>
               <a:t>Fifth level</a:t>
             </a:r>
+            <a:endParaRPr lang="en-US"/>
           </a:p>
         </p:txBody>
       </p:sp>
@@ -5372,6 +5202,7 @@
               <a:rPr lang="en-US"/>
               <a:t>Click to edit Master text styles</a:t>
             </a:r>
+            <a:endParaRPr lang="en-US"/>
           </a:p>
           <a:p>
             <a:pPr lvl="1"/>
@@ -5379,6 +5210,7 @@
               <a:rPr lang="en-US"/>
               <a:t>Second level</a:t>
             </a:r>
+            <a:endParaRPr lang="en-US"/>
           </a:p>
           <a:p>
             <a:pPr lvl="2"/>
@@ -5386,6 +5218,7 @@
               <a:rPr lang="en-US"/>
               <a:t>Third level</a:t>
             </a:r>
+            <a:endParaRPr lang="en-US"/>
           </a:p>
           <a:p>
             <a:pPr lvl="3"/>
@@ -5393,6 +5226,7 @@
               <a:rPr lang="en-US"/>
               <a:t>Fourth level</a:t>
             </a:r>
+            <a:endParaRPr lang="en-US"/>
           </a:p>
           <a:p>
             <a:pPr lvl="4"/>
@@ -5400,15 +5234,11 @@
               <a:rPr lang="en-US"/>
               <a:t>Fifth level</a:t>
             </a:r>
+            <a:endParaRPr lang="en-US"/>
           </a:p>
         </p:txBody>
       </p:sp>
     </p:spTree>
-    <p:extLst>
-      <p:ext uri="{BB962C8B-B14F-4D97-AF65-F5344CB8AC3E}">
-        <p14:creationId xmlns:p14="http://schemas.microsoft.com/office/powerpoint/2010/main" val="3876185223"/>
-      </p:ext>
-    </p:extLst>
   </p:cSld>
   <p:clrMapOvr>
     <a:masterClrMapping/>
@@ -5581,6 +5411,7 @@
               <a:rPr lang="en-US" smtClean="0"/>
               <a:t>Click to edit Master text styles</a:t>
             </a:r>
+            <a:endParaRPr lang="en-US" smtClean="0"/>
           </a:p>
         </p:txBody>
       </p:sp>
@@ -5601,7 +5432,6 @@
           <a:p>
             <a:fld id="{D7DC5F78-798E-477A-BAA8-1992F0A2F172}" type="datetimeFigureOut">
               <a:rPr lang="en-US" smtClean="0"/>
-              <a:t>04/01/2022</a:t>
             </a:fld>
             <a:endParaRPr lang="en-US"/>
           </a:p>
@@ -5643,18 +5473,12 @@
           <a:p>
             <a:fld id="{82EE7908-58B7-4640-B126-33E0B3DDACA5}" type="slidenum">
               <a:rPr lang="en-US" smtClean="0"/>
-              <a:t>‹#›</a:t>
             </a:fld>
             <a:endParaRPr lang="en-US"/>
           </a:p>
         </p:txBody>
       </p:sp>
     </p:spTree>
-    <p:extLst>
-      <p:ext uri="{BB962C8B-B14F-4D97-AF65-F5344CB8AC3E}">
-        <p14:creationId xmlns:p14="http://schemas.microsoft.com/office/powerpoint/2010/main" val="2147684158"/>
-      </p:ext>
-    </p:extLst>
   </p:cSld>
   <p:clrMapOvr>
     <a:masterClrMapping/>
@@ -5727,6 +5551,7 @@
               <a:rPr lang="en-US" smtClean="0"/>
               <a:t>Click to edit Master text styles</a:t>
             </a:r>
+            <a:endParaRPr lang="en-US" smtClean="0"/>
           </a:p>
           <a:p>
             <a:pPr lvl="1"/>
@@ -5734,6 +5559,7 @@
               <a:rPr lang="en-US" smtClean="0"/>
               <a:t>Second level</a:t>
             </a:r>
+            <a:endParaRPr lang="en-US" smtClean="0"/>
           </a:p>
           <a:p>
             <a:pPr lvl="2"/>
@@ -5741,6 +5567,7 @@
               <a:rPr lang="en-US" smtClean="0"/>
               <a:t>Third level</a:t>
             </a:r>
+            <a:endParaRPr lang="en-US" smtClean="0"/>
           </a:p>
           <a:p>
             <a:pPr lvl="3"/>
@@ -5748,6 +5575,7 @@
               <a:rPr lang="en-US" smtClean="0"/>
               <a:t>Fourth level</a:t>
             </a:r>
+            <a:endParaRPr lang="en-US" smtClean="0"/>
           </a:p>
           <a:p>
             <a:pPr lvl="4"/>
@@ -5784,6 +5612,7 @@
               <a:rPr lang="en-US" smtClean="0"/>
               <a:t>Click to edit Master text styles</a:t>
             </a:r>
+            <a:endParaRPr lang="en-US" smtClean="0"/>
           </a:p>
           <a:p>
             <a:pPr lvl="1"/>
@@ -5791,6 +5620,7 @@
               <a:rPr lang="en-US" smtClean="0"/>
               <a:t>Second level</a:t>
             </a:r>
+            <a:endParaRPr lang="en-US" smtClean="0"/>
           </a:p>
           <a:p>
             <a:pPr lvl="2"/>
@@ -5798,6 +5628,7 @@
               <a:rPr lang="en-US" smtClean="0"/>
               <a:t>Third level</a:t>
             </a:r>
+            <a:endParaRPr lang="en-US" smtClean="0"/>
           </a:p>
           <a:p>
             <a:pPr lvl="3"/>
@@ -5805,6 +5636,7 @@
               <a:rPr lang="en-US" smtClean="0"/>
               <a:t>Fourth level</a:t>
             </a:r>
+            <a:endParaRPr lang="en-US" smtClean="0"/>
           </a:p>
           <a:p>
             <a:pPr lvl="4"/>
@@ -5833,7 +5665,6 @@
           <a:p>
             <a:fld id="{D7DC5F78-798E-477A-BAA8-1992F0A2F172}" type="datetimeFigureOut">
               <a:rPr lang="en-US" smtClean="0"/>
-              <a:t>04/01/2022</a:t>
             </a:fld>
             <a:endParaRPr lang="en-US"/>
           </a:p>
@@ -5875,18 +5706,12 @@
           <a:p>
             <a:fld id="{82EE7908-58B7-4640-B126-33E0B3DDACA5}" type="slidenum">
               <a:rPr lang="en-US" smtClean="0"/>
-              <a:t>‹#›</a:t>
             </a:fld>
             <a:endParaRPr lang="en-US"/>
           </a:p>
         </p:txBody>
       </p:sp>
     </p:spTree>
-    <p:extLst>
-      <p:ext uri="{BB962C8B-B14F-4D97-AF65-F5344CB8AC3E}">
-        <p14:creationId xmlns:p14="http://schemas.microsoft.com/office/powerpoint/2010/main" val="1718173973"/>
-      </p:ext>
-    </p:extLst>
   </p:cSld>
   <p:clrMapOvr>
     <a:masterClrMapping/>
@@ -6001,6 +5826,7 @@
               <a:rPr lang="en-US" smtClean="0"/>
               <a:t>Click to edit Master text styles</a:t>
             </a:r>
+            <a:endParaRPr lang="en-US" smtClean="0"/>
           </a:p>
         </p:txBody>
       </p:sp>
@@ -6029,6 +5855,7 @@
               <a:rPr lang="en-US" smtClean="0"/>
               <a:t>Click to edit Master text styles</a:t>
             </a:r>
+            <a:endParaRPr lang="en-US" smtClean="0"/>
           </a:p>
           <a:p>
             <a:pPr lvl="1"/>
@@ -6036,6 +5863,7 @@
               <a:rPr lang="en-US" smtClean="0"/>
               <a:t>Second level</a:t>
             </a:r>
+            <a:endParaRPr lang="en-US" smtClean="0"/>
           </a:p>
           <a:p>
             <a:pPr lvl="2"/>
@@ -6043,6 +5871,7 @@
               <a:rPr lang="en-US" smtClean="0"/>
               <a:t>Third level</a:t>
             </a:r>
+            <a:endParaRPr lang="en-US" smtClean="0"/>
           </a:p>
           <a:p>
             <a:pPr lvl="3"/>
@@ -6050,6 +5879,7 @@
               <a:rPr lang="en-US" smtClean="0"/>
               <a:t>Fourth level</a:t>
             </a:r>
+            <a:endParaRPr lang="en-US" smtClean="0"/>
           </a:p>
           <a:p>
             <a:pPr lvl="4"/>
@@ -6123,6 +5953,7 @@
               <a:rPr lang="en-US" smtClean="0"/>
               <a:t>Click to edit Master text styles</a:t>
             </a:r>
+            <a:endParaRPr lang="en-US" smtClean="0"/>
           </a:p>
         </p:txBody>
       </p:sp>
@@ -6151,6 +5982,7 @@
               <a:rPr lang="en-US" smtClean="0"/>
               <a:t>Click to edit Master text styles</a:t>
             </a:r>
+            <a:endParaRPr lang="en-US" smtClean="0"/>
           </a:p>
           <a:p>
             <a:pPr lvl="1"/>
@@ -6158,6 +5990,7 @@
               <a:rPr lang="en-US" smtClean="0"/>
               <a:t>Second level</a:t>
             </a:r>
+            <a:endParaRPr lang="en-US" smtClean="0"/>
           </a:p>
           <a:p>
             <a:pPr lvl="2"/>
@@ -6165,6 +5998,7 @@
               <a:rPr lang="en-US" smtClean="0"/>
               <a:t>Third level</a:t>
             </a:r>
+            <a:endParaRPr lang="en-US" smtClean="0"/>
           </a:p>
           <a:p>
             <a:pPr lvl="3"/>
@@ -6172,6 +6006,7 @@
               <a:rPr lang="en-US" smtClean="0"/>
               <a:t>Fourth level</a:t>
             </a:r>
+            <a:endParaRPr lang="en-US" smtClean="0"/>
           </a:p>
           <a:p>
             <a:pPr lvl="4"/>
@@ -6200,7 +6035,6 @@
           <a:p>
             <a:fld id="{D7DC5F78-798E-477A-BAA8-1992F0A2F172}" type="datetimeFigureOut">
               <a:rPr lang="en-US" smtClean="0"/>
-              <a:t>04/01/2022</a:t>
             </a:fld>
             <a:endParaRPr lang="en-US"/>
           </a:p>
@@ -6242,18 +6076,12 @@
           <a:p>
             <a:fld id="{82EE7908-58B7-4640-B126-33E0B3DDACA5}" type="slidenum">
               <a:rPr lang="en-US" smtClean="0"/>
-              <a:t>‹#›</a:t>
             </a:fld>
             <a:endParaRPr lang="en-US"/>
           </a:p>
         </p:txBody>
       </p:sp>
     </p:spTree>
-    <p:extLst>
-      <p:ext uri="{BB962C8B-B14F-4D97-AF65-F5344CB8AC3E}">
-        <p14:creationId xmlns:p14="http://schemas.microsoft.com/office/powerpoint/2010/main" val="458952616"/>
-      </p:ext>
-    </p:extLst>
   </p:cSld>
   <p:clrMapOvr>
     <a:masterClrMapping/>
@@ -6318,7 +6146,6 @@
           <a:p>
             <a:fld id="{D7DC5F78-798E-477A-BAA8-1992F0A2F172}" type="datetimeFigureOut">
               <a:rPr lang="en-US" smtClean="0"/>
-              <a:t>04/01/2022</a:t>
             </a:fld>
             <a:endParaRPr lang="en-US"/>
           </a:p>
@@ -6360,18 +6187,12 @@
           <a:p>
             <a:fld id="{82EE7908-58B7-4640-B126-33E0B3DDACA5}" type="slidenum">
               <a:rPr lang="en-US" smtClean="0"/>
-              <a:t>‹#›</a:t>
             </a:fld>
             <a:endParaRPr lang="en-US"/>
           </a:p>
         </p:txBody>
       </p:sp>
     </p:spTree>
-    <p:extLst>
-      <p:ext uri="{BB962C8B-B14F-4D97-AF65-F5344CB8AC3E}">
-        <p14:creationId xmlns:p14="http://schemas.microsoft.com/office/powerpoint/2010/main" val="1882233872"/>
-      </p:ext>
-    </p:extLst>
   </p:cSld>
   <p:clrMapOvr>
     <a:masterClrMapping/>
@@ -6413,7 +6234,6 @@
           <a:p>
             <a:fld id="{D7DC5F78-798E-477A-BAA8-1992F0A2F172}" type="datetimeFigureOut">
               <a:rPr lang="en-US" smtClean="0"/>
-              <a:t>04/01/2022</a:t>
             </a:fld>
             <a:endParaRPr lang="en-US"/>
           </a:p>
@@ -6455,18 +6275,12 @@
           <a:p>
             <a:fld id="{82EE7908-58B7-4640-B126-33E0B3DDACA5}" type="slidenum">
               <a:rPr lang="en-US" smtClean="0"/>
-              <a:t>‹#›</a:t>
             </a:fld>
             <a:endParaRPr lang="en-US"/>
           </a:p>
         </p:txBody>
       </p:sp>
     </p:spTree>
-    <p:extLst>
-      <p:ext uri="{BB962C8B-B14F-4D97-AF65-F5344CB8AC3E}">
-        <p14:creationId xmlns:p14="http://schemas.microsoft.com/office/powerpoint/2010/main" val="490583880"/>
-      </p:ext>
-    </p:extLst>
   </p:cSld>
   <p:clrMapOvr>
     <a:masterClrMapping/>
@@ -6576,6 +6390,7 @@
               <a:rPr lang="en-US" smtClean="0"/>
               <a:t>Click to edit Master text styles</a:t>
             </a:r>
+            <a:endParaRPr lang="en-US" smtClean="0"/>
           </a:p>
           <a:p>
             <a:pPr lvl="1"/>
@@ -6583,6 +6398,7 @@
               <a:rPr lang="en-US" smtClean="0"/>
               <a:t>Second level</a:t>
             </a:r>
+            <a:endParaRPr lang="en-US" smtClean="0"/>
           </a:p>
           <a:p>
             <a:pPr lvl="2"/>
@@ -6590,6 +6406,7 @@
               <a:rPr lang="en-US" smtClean="0"/>
               <a:t>Third level</a:t>
             </a:r>
+            <a:endParaRPr lang="en-US" smtClean="0"/>
           </a:p>
           <a:p>
             <a:pPr lvl="3"/>
@@ -6597,6 +6414,7 @@
               <a:rPr lang="en-US" smtClean="0"/>
               <a:t>Fourth level</a:t>
             </a:r>
+            <a:endParaRPr lang="en-US" smtClean="0"/>
           </a:p>
           <a:p>
             <a:pPr lvl="4"/>
@@ -6670,6 +6488,7 @@
               <a:rPr lang="en-US" smtClean="0"/>
               <a:t>Click to edit Master text styles</a:t>
             </a:r>
+            <a:endParaRPr lang="en-US" smtClean="0"/>
           </a:p>
         </p:txBody>
       </p:sp>
@@ -6690,7 +6509,6 @@
           <a:p>
             <a:fld id="{D7DC5F78-798E-477A-BAA8-1992F0A2F172}" type="datetimeFigureOut">
               <a:rPr lang="en-US" smtClean="0"/>
-              <a:t>04/01/2022</a:t>
             </a:fld>
             <a:endParaRPr lang="en-US"/>
           </a:p>
@@ -6732,18 +6550,12 @@
           <a:p>
             <a:fld id="{82EE7908-58B7-4640-B126-33E0B3DDACA5}" type="slidenum">
               <a:rPr lang="en-US" smtClean="0"/>
-              <a:t>‹#›</a:t>
             </a:fld>
             <a:endParaRPr lang="en-US"/>
           </a:p>
         </p:txBody>
       </p:sp>
     </p:spTree>
-    <p:extLst>
-      <p:ext uri="{BB962C8B-B14F-4D97-AF65-F5344CB8AC3E}">
-        <p14:creationId xmlns:p14="http://schemas.microsoft.com/office/powerpoint/2010/main" val="1009322225"/>
-      </p:ext>
-    </p:extLst>
   </p:cSld>
   <p:clrMapOvr>
     <a:masterClrMapping/>
@@ -6923,6 +6735,7 @@
               <a:rPr lang="en-US" smtClean="0"/>
               <a:t>Click to edit Master text styles</a:t>
             </a:r>
+            <a:endParaRPr lang="en-US" smtClean="0"/>
           </a:p>
         </p:txBody>
       </p:sp>
@@ -6943,7 +6756,6 @@
           <a:p>
             <a:fld id="{D7DC5F78-798E-477A-BAA8-1992F0A2F172}" type="datetimeFigureOut">
               <a:rPr lang="en-US" smtClean="0"/>
-              <a:t>04/01/2022</a:t>
             </a:fld>
             <a:endParaRPr lang="en-US"/>
           </a:p>
@@ -6985,18 +6797,12 @@
           <a:p>
             <a:fld id="{82EE7908-58B7-4640-B126-33E0B3DDACA5}" type="slidenum">
               <a:rPr lang="en-US" smtClean="0"/>
-              <a:t>‹#›</a:t>
             </a:fld>
             <a:endParaRPr lang="en-US"/>
           </a:p>
         </p:txBody>
       </p:sp>
     </p:spTree>
-    <p:extLst>
-      <p:ext uri="{BB962C8B-B14F-4D97-AF65-F5344CB8AC3E}">
-        <p14:creationId xmlns:p14="http://schemas.microsoft.com/office/powerpoint/2010/main" val="217121788"/>
-      </p:ext>
-    </p:extLst>
   </p:cSld>
   <p:clrMapOvr>
     <a:masterClrMapping/>
@@ -7089,6 +6895,7 @@
               <a:rPr lang="en-US" smtClean="0"/>
               <a:t>Click to edit Master text styles</a:t>
             </a:r>
+            <a:endParaRPr lang="en-US" smtClean="0"/>
           </a:p>
           <a:p>
             <a:pPr lvl="1"/>
@@ -7096,6 +6903,7 @@
               <a:rPr lang="en-US" smtClean="0"/>
               <a:t>Second level</a:t>
             </a:r>
+            <a:endParaRPr lang="en-US" smtClean="0"/>
           </a:p>
           <a:p>
             <a:pPr lvl="2"/>
@@ -7103,6 +6911,7 @@
               <a:rPr lang="en-US" smtClean="0"/>
               <a:t>Third level</a:t>
             </a:r>
+            <a:endParaRPr lang="en-US" smtClean="0"/>
           </a:p>
           <a:p>
             <a:pPr lvl="3"/>
@@ -7110,6 +6919,7 @@
               <a:rPr lang="en-US" smtClean="0"/>
               <a:t>Fourth level</a:t>
             </a:r>
+            <a:endParaRPr lang="en-US" smtClean="0"/>
           </a:p>
           <a:p>
             <a:pPr lvl="4"/>
@@ -7156,7 +6966,6 @@
           <a:p>
             <a:fld id="{D7DC5F78-798E-477A-BAA8-1992F0A2F172}" type="datetimeFigureOut">
               <a:rPr lang="en-US" smtClean="0"/>
-              <a:t>04/01/2022</a:t>
             </a:fld>
             <a:endParaRPr lang="en-US"/>
           </a:p>
@@ -7234,18 +7043,12 @@
           <a:p>
             <a:fld id="{82EE7908-58B7-4640-B126-33E0B3DDACA5}" type="slidenum">
               <a:rPr lang="en-US" smtClean="0"/>
-              <a:t>‹#›</a:t>
             </a:fld>
             <a:endParaRPr lang="en-US"/>
           </a:p>
         </p:txBody>
       </p:sp>
     </p:spTree>
-    <p:extLst>
-      <p:ext uri="{BB962C8B-B14F-4D97-AF65-F5344CB8AC3E}">
-        <p14:creationId xmlns:p14="http://schemas.microsoft.com/office/powerpoint/2010/main" val="2105748494"/>
-      </p:ext>
-    </p:extLst>
   </p:cSld>
   <p:clrMap bg1="lt1" tx1="dk1" bg2="lt2" tx2="dk2" accent1="accent1" accent2="accent2" accent3="accent3" accent4="accent4" accent5="accent5" accent6="accent6" hlink="hlink" folHlink="folHlink"/>
   <p:sldLayoutIdLst>
@@ -7629,6 +7432,7 @@
               <a:rPr lang="en-US" smtClean="0"/>
               <a:t>Click to edit Master text styles</a:t>
             </a:r>
+            <a:endParaRPr lang="en-US" smtClean="0"/>
           </a:p>
           <a:p>
             <a:pPr lvl="1"/>
@@ -7636,6 +7440,7 @@
               <a:rPr lang="en-US" smtClean="0"/>
               <a:t>Second level</a:t>
             </a:r>
+            <a:endParaRPr lang="en-US" smtClean="0"/>
           </a:p>
           <a:p>
             <a:pPr lvl="2"/>
@@ -7643,6 +7448,7 @@
               <a:rPr lang="en-US" smtClean="0"/>
               <a:t>Third level</a:t>
             </a:r>
+            <a:endParaRPr lang="en-US" smtClean="0"/>
           </a:p>
           <a:p>
             <a:pPr lvl="3"/>
@@ -7650,6 +7456,7 @@
               <a:rPr lang="en-US" smtClean="0"/>
               <a:t>Fourth level</a:t>
             </a:r>
+            <a:endParaRPr lang="en-US" smtClean="0"/>
           </a:p>
           <a:p>
             <a:pPr lvl="4"/>
@@ -7702,8 +7509,6 @@
                   </a:prstClr>
                 </a:solidFill>
               </a:rPr>
-              <a:pPr/>
-              <a:t>04/01/2022</a:t>
             </a:fld>
             <a:endParaRPr lang="en-US">
               <a:solidFill>
@@ -7799,8 +7604,6 @@
                   </a:prstClr>
                 </a:solidFill>
               </a:rPr>
-              <a:pPr/>
-              <a:t>‹#›</a:t>
             </a:fld>
             <a:endParaRPr lang="en-US">
               <a:solidFill>
@@ -7813,11 +7616,6 @@
         </p:txBody>
       </p:sp>
     </p:spTree>
-    <p:extLst>
-      <p:ext uri="{BB962C8B-B14F-4D97-AF65-F5344CB8AC3E}">
-        <p14:creationId xmlns:p14="http://schemas.microsoft.com/office/powerpoint/2010/main" val="3573218887"/>
-      </p:ext>
-    </p:extLst>
   </p:cSld>
   <p:clrMap bg1="lt1" tx1="dk1" bg2="lt2" tx2="dk2" accent1="accent1" accent2="accent2" accent3="accent3" accent4="accent4" accent5="accent5" accent6="accent6" hlink="hlink" folHlink="folHlink"/>
   <p:sldLayoutIdLst>
@@ -8180,11 +7978,6 @@
         </p:txBody>
       </p:sp>
     </p:spTree>
-    <p:extLst>
-      <p:ext uri="{BB962C8B-B14F-4D97-AF65-F5344CB8AC3E}">
-        <p14:creationId xmlns:p14="http://schemas.microsoft.com/office/powerpoint/2010/main" val="2855673687"/>
-      </p:ext>
-    </p:extLst>
   </p:cSld>
   <p:clrMapOvr>
     <a:masterClrMapping/>
@@ -8229,6 +8022,7 @@
               <a:rPr lang="en-US" b="1" smtClean="0"/>
               <a:t>Classification Example</a:t>
             </a:r>
+            <a:endParaRPr lang="en-US" b="1" smtClean="0"/>
           </a:p>
         </p:txBody>
       </p:sp>
@@ -8248,23 +8042,23 @@
           <a:graphicData uri="http://schemas.openxmlformats.org/presentationml/2006/ole">
             <mc:AlternateContent xmlns:mc="http://schemas.openxmlformats.org/markup-compatibility/2006">
               <mc:Choice xmlns:v="urn:schemas-microsoft-com:vml" Requires="v">
-                <p:oleObj spid="_x0000_s2060" name="Document" r:id="rId3" imgW="5405628" imgH="5782056" progId="Word.Document.8">
+                <p:oleObj spid="_x0000_s2060" name="Document" r:id="rId1" imgW="5405755" imgH="5782310" progId="Word.Document.8">
                   <p:embed/>
                 </p:oleObj>
               </mc:Choice>
               <mc:Fallback>
-                <p:oleObj name="Document" r:id="rId3" imgW="5405628" imgH="5782056" progId="Word.Document.8">
+                <p:oleObj name="Document" r:id="rId1" imgW="5405755" imgH="5782310" progId="Word.Document.8">
                   <p:embed/>
                   <p:pic>
                     <p:nvPicPr>
-                      <p:cNvPr id="0" name=""/>
+                      <p:cNvPr id="0" name="Picture 2059"/>
                       <p:cNvPicPr>
                         <a:picLocks noChangeAspect="1" noChangeArrowheads="1"/>
                       </p:cNvPicPr>
                       <p:nvPr/>
                     </p:nvPicPr>
                     <p:blipFill>
-                      <a:blip r:embed="rId4">
+                      <a:blip r:embed="rId2">
                         <a:extLst>
                           <a:ext uri="{28A0092B-C50C-407E-A947-70E740481C1C}">
                             <a14:useLocalDpi xmlns:a14="http://schemas.microsoft.com/office/drawing/2010/main" val="0"/>
@@ -9149,23 +8943,23 @@
           <a:graphicData uri="http://schemas.openxmlformats.org/presentationml/2006/ole">
             <mc:AlternateContent xmlns:mc="http://schemas.openxmlformats.org/markup-compatibility/2006">
               <mc:Choice xmlns:v="urn:schemas-microsoft-com:vml" Requires="v">
-                <p:oleObj spid="_x0000_s2061" name="Document" r:id="rId5" imgW="4614672" imgH="4076700" progId="Word.Document.8">
+                <p:oleObj spid="_x0000_s2061" name="Document" r:id="rId3" imgW="4614545" imgH="4076700" progId="Word.Document.8">
                   <p:embed/>
                 </p:oleObj>
               </mc:Choice>
               <mc:Fallback>
-                <p:oleObj name="Document" r:id="rId5" imgW="4614672" imgH="4076700" progId="Word.Document.8">
+                <p:oleObj name="Document" r:id="rId3" imgW="4614545" imgH="4076700" progId="Word.Document.8">
                   <p:embed/>
                   <p:pic>
                     <p:nvPicPr>
-                      <p:cNvPr id="0" name=""/>
+                      <p:cNvPr id="0" name="Picture 2060"/>
                       <p:cNvPicPr>
                         <a:picLocks noChangeAspect="1" noChangeArrowheads="1"/>
                       </p:cNvPicPr>
                       <p:nvPr/>
                     </p:nvPicPr>
                     <p:blipFill>
-                      <a:blip r:embed="rId6">
+                      <a:blip r:embed="rId4">
                         <a:extLst>
                           <a:ext uri="{28A0092B-C50C-407E-A947-70E740481C1C}">
                             <a14:useLocalDpi xmlns:a14="http://schemas.microsoft.com/office/drawing/2010/main" val="0"/>
@@ -9229,9 +9023,7 @@
       <p:grpSp>
         <p:nvGrpSpPr>
           <p:cNvPr id="100361" name="Group 9"/>
-          <p:cNvGrpSpPr>
-            <a:grpSpLocks/>
-          </p:cNvGrpSpPr>
+          <p:cNvGrpSpPr/>
           <p:nvPr/>
         </p:nvGrpSpPr>
         <p:grpSpPr bwMode="auto">
@@ -9268,8 +9060,6 @@
                 <a:srgbClr val="0000FF"/>
               </a:solidFill>
               <a:round/>
-              <a:headEnd/>
-              <a:tailEnd/>
             </a:ln>
           </p:spPr>
           <p:txBody>
@@ -9610,6 +9400,12 @@
                 </a:rPr>
                 <a:t>Test</a:t>
               </a:r>
+              <a:endParaRPr lang="en-US" sz="1400">
+                <a:solidFill>
+                  <a:srgbClr val="0000CC"/>
+                </a:solidFill>
+                <a:latin typeface="Arial" panose="020B0604020202020204" pitchFamily="34" charset="0"/>
+              </a:endParaRPr>
             </a:p>
             <a:p>
               <a:pPr algn="ctr">
@@ -9668,8 +9464,6 @@
               <a:srgbClr val="0000FF"/>
             </a:solidFill>
             <a:round/>
-            <a:headEnd/>
-            <a:tailEnd/>
           </a:ln>
         </p:spPr>
         <p:txBody>
@@ -10015,6 +9809,12 @@
               </a:rPr>
               <a:t>Training </a:t>
             </a:r>
+            <a:endParaRPr lang="en-US" sz="1600">
+              <a:solidFill>
+                <a:schemeClr val="tx2"/>
+              </a:solidFill>
+              <a:latin typeface="Arial" panose="020B0604020202020204" pitchFamily="34" charset="0"/>
+            </a:endParaRPr>
           </a:p>
           <a:p>
             <a:pPr algn="ctr">
@@ -10049,9 +9849,7 @@
       <p:grpSp>
         <p:nvGrpSpPr>
           <p:cNvPr id="100364" name="Group 14"/>
-          <p:cNvGrpSpPr>
-            <a:grpSpLocks/>
-          </p:cNvGrpSpPr>
+          <p:cNvGrpSpPr/>
           <p:nvPr/>
         </p:nvGrpSpPr>
         <p:grpSpPr bwMode="auto">
@@ -10086,8 +9884,6 @@
                 <a:schemeClr val="bg2"/>
               </a:solidFill>
               <a:miter lim="800000"/>
-              <a:headEnd/>
-              <a:tailEnd/>
             </a:ln>
           </p:spPr>
           <p:txBody>
@@ -10817,6 +10613,12 @@
               </a:rPr>
               <a:t>Learn </a:t>
             </a:r>
+            <a:endParaRPr lang="en-US" sz="2000">
+              <a:solidFill>
+                <a:srgbClr val="000000"/>
+              </a:solidFill>
+              <a:latin typeface="Arial" panose="020B0604020202020204" pitchFamily="34" charset="0"/>
+            </a:endParaRPr>
           </a:p>
           <a:p>
             <a:pPr algn="ctr">
@@ -10872,8 +10674,6 @@
               <a:srgbClr val="CC0000"/>
             </a:solidFill>
             <a:miter lim="800000"/>
-            <a:headEnd/>
-            <a:tailEnd/>
           </a:ln>
         </p:spPr>
         <p:txBody>
@@ -11050,8 +10850,6 @@
               <a:srgbClr val="CC0000"/>
             </a:solidFill>
             <a:miter lim="800000"/>
-            <a:headEnd/>
-            <a:tailEnd/>
           </a:ln>
         </p:spPr>
         <p:txBody>
@@ -11228,8 +11026,6 @@
               <a:srgbClr val="CC0000"/>
             </a:solidFill>
             <a:miter lim="800000"/>
-            <a:headEnd/>
-            <a:tailEnd/>
           </a:ln>
         </p:spPr>
         <p:txBody>
@@ -11401,7 +11197,6 @@
               <a:schemeClr val="tx1"/>
             </a:solidFill>
             <a:round/>
-            <a:headEnd/>
             <a:tailEnd type="triangle" w="med" len="med"/>
           </a:ln>
           <a:extLst>
@@ -11442,7 +11237,6 @@
               <a:schemeClr val="tx1"/>
             </a:solidFill>
             <a:round/>
-            <a:headEnd/>
             <a:tailEnd type="triangle" w="med" len="med"/>
           </a:ln>
           <a:extLst>
@@ -11641,14 +11435,6 @@
                 </a:solidFill>
                 <a:latin typeface="Arial" panose="020B0604020202020204" pitchFamily="34" charset="0"/>
               </a:rPr>
-              <a:pPr>
-                <a:spcBef>
-                  <a:spcPct val="0"/>
-                </a:spcBef>
-                <a:buFontTx/>
-                <a:buNone/>
-              </a:pPr>
-              <a:t>10</a:t>
             </a:fld>
             <a:endParaRPr lang="en-US" sz="1200">
               <a:solidFill>
@@ -11660,11 +11446,6 @@
         </p:txBody>
       </p:sp>
     </p:spTree>
-    <p:extLst>
-      <p:ext uri="{BB962C8B-B14F-4D97-AF65-F5344CB8AC3E}">
-        <p14:creationId xmlns:p14="http://schemas.microsoft.com/office/powerpoint/2010/main" val="3601183177"/>
-      </p:ext>
-    </p:extLst>
   </p:cSld>
   <p:clrMapOvr>
     <a:masterClrMapping/>
@@ -11716,6 +11497,7 @@
               <a:rPr lang="en-US" b="1" smtClean="0"/>
               <a:t>Classification: Application 1</a:t>
             </a:r>
+            <a:endParaRPr lang="en-US" b="1" smtClean="0"/>
           </a:p>
         </p:txBody>
       </p:sp>
@@ -11748,6 +11530,11 @@
               </a:rPr>
               <a:t>Direct Marketing</a:t>
             </a:r>
+            <a:endParaRPr lang="en-US" sz="2400" b="1">
+              <a:solidFill>
+                <a:srgbClr val="C00000"/>
+              </a:solidFill>
+            </a:endParaRPr>
           </a:p>
           <a:p>
             <a:pPr lvl="1" algn="just" eaLnBrk="1" hangingPunct="1"/>
@@ -11767,6 +11554,7 @@
               <a:rPr lang="en-US"/>
               <a:t> a set of consumers likely to buy a new cell-phone product.</a:t>
             </a:r>
+            <a:endParaRPr lang="en-US"/>
           </a:p>
           <a:p>
             <a:pPr lvl="1" algn="just" eaLnBrk="1" hangingPunct="1"/>
@@ -11774,6 +11562,7 @@
               <a:rPr lang="en-US"/>
               <a:t>Approach:</a:t>
             </a:r>
+            <a:endParaRPr lang="en-US"/>
           </a:p>
           <a:p>
             <a:pPr lvl="2" algn="just" eaLnBrk="1" hangingPunct="1"/>
@@ -11781,6 +11570,7 @@
               <a:rPr lang="en-US"/>
               <a:t>Use the data for a similar product introduced before. </a:t>
             </a:r>
+            <a:endParaRPr lang="en-US"/>
           </a:p>
           <a:p>
             <a:pPr lvl="2" algn="just" eaLnBrk="1" hangingPunct="1"/>
@@ -11812,6 +11602,7 @@
               <a:rPr lang="en-US"/>
               <a:t>.</a:t>
             </a:r>
+            <a:endParaRPr lang="en-US"/>
           </a:p>
           <a:p>
             <a:pPr lvl="2" algn="just" eaLnBrk="1" hangingPunct="1"/>
@@ -11819,6 +11610,7 @@
               <a:rPr lang="en-US"/>
               <a:t>Collect various demographic, lifestyle, and company-interaction related information about all such customers.</a:t>
             </a:r>
+            <a:endParaRPr lang="en-US"/>
           </a:p>
           <a:p>
             <a:pPr lvl="3" algn="just" eaLnBrk="1" hangingPunct="1"/>
@@ -11826,6 +11618,7 @@
               <a:rPr lang="en-US"/>
               <a:t>Type of business, where they stay, how much they earn, etc.</a:t>
             </a:r>
+            <a:endParaRPr lang="en-US"/>
           </a:p>
           <a:p>
             <a:pPr lvl="2" algn="just" eaLnBrk="1" hangingPunct="1"/>
@@ -11833,6 +11626,7 @@
               <a:rPr lang="en-US"/>
               <a:t>Use this information as input attributes to learn a classifier model.</a:t>
             </a:r>
+            <a:endParaRPr lang="en-US"/>
           </a:p>
         </p:txBody>
       </p:sp>
@@ -12016,14 +11810,6 @@
                 </a:solidFill>
                 <a:latin typeface="Arial" panose="020B0604020202020204" pitchFamily="34" charset="0"/>
               </a:rPr>
-              <a:pPr>
-                <a:spcBef>
-                  <a:spcPct val="0"/>
-                </a:spcBef>
-                <a:buFontTx/>
-                <a:buNone/>
-              </a:pPr>
-              <a:t>11</a:t>
             </a:fld>
             <a:endParaRPr lang="en-US" sz="1200">
               <a:solidFill>
@@ -12035,11 +11821,6 @@
         </p:txBody>
       </p:sp>
     </p:spTree>
-    <p:extLst>
-      <p:ext uri="{BB962C8B-B14F-4D97-AF65-F5344CB8AC3E}">
-        <p14:creationId xmlns:p14="http://schemas.microsoft.com/office/powerpoint/2010/main" val="162318337"/>
-      </p:ext>
-    </p:extLst>
   </p:cSld>
   <p:clrMapOvr>
     <a:masterClrMapping/>
@@ -12053,13 +11834,13 @@
               <p:cTn id="2" dur="indefinite" nodeType="mainSeq">
                 <p:childTnLst>
                   <p:par>
-                    <p:cTn id="3" fill="hold" nodeType="clickPar">
+                    <p:cTn id="3" fill="hold">
                       <p:stCondLst>
                         <p:cond delay="indefinite"/>
                       </p:stCondLst>
                       <p:childTnLst>
                         <p:par>
-                          <p:cTn id="4" fill="hold" nodeType="withGroup">
+                          <p:cTn id="4" fill="hold">
                             <p:stCondLst>
                               <p:cond delay="0"/>
                             </p:stCondLst>
@@ -12642,6 +12423,7 @@
               <a:rPr lang="en-US" smtClean="0"/>
               <a:t>Classification: Application 2</a:t>
             </a:r>
+            <a:endParaRPr lang="en-US" smtClean="0"/>
           </a:p>
         </p:txBody>
       </p:sp>
@@ -12678,6 +12460,11 @@
               </a:rPr>
               <a:t>Fraud Detection</a:t>
             </a:r>
+            <a:endParaRPr lang="en-US" sz="2400" b="1">
+              <a:solidFill>
+                <a:srgbClr val="C00000"/>
+              </a:solidFill>
+            </a:endParaRPr>
           </a:p>
           <a:p>
             <a:pPr lvl="1" algn="just" eaLnBrk="1" hangingPunct="1">
@@ -12689,6 +12476,7 @@
               <a:rPr lang="en-US"/>
               <a:t>Goal: Predict fraudulent cases in credit card transactions.</a:t>
             </a:r>
+            <a:endParaRPr lang="en-US"/>
           </a:p>
           <a:p>
             <a:pPr lvl="1" algn="just" eaLnBrk="1" hangingPunct="1">
@@ -12700,6 +12488,7 @@
               <a:rPr lang="en-US"/>
               <a:t>Approach:</a:t>
             </a:r>
+            <a:endParaRPr lang="en-US"/>
           </a:p>
           <a:p>
             <a:pPr lvl="2" algn="just" eaLnBrk="1" hangingPunct="1">
@@ -12711,6 +12500,7 @@
               <a:rPr lang="en-US"/>
               <a:t>Use credit card transactions and the information on its account-holder as attributes.</a:t>
             </a:r>
+            <a:endParaRPr lang="en-US"/>
           </a:p>
           <a:p>
             <a:pPr lvl="3" algn="just" eaLnBrk="1" hangingPunct="1">
@@ -12722,6 +12512,7 @@
               <a:rPr lang="en-US"/>
               <a:t>When does a customer buy, what does he buy, how often he pays on time, etc.</a:t>
             </a:r>
+            <a:endParaRPr lang="en-US"/>
           </a:p>
           <a:p>
             <a:pPr lvl="2" algn="just" eaLnBrk="1" hangingPunct="1">
@@ -12733,6 +12524,7 @@
               <a:rPr lang="en-US"/>
               <a:t>Label past transactions as fraud or fair transactions. This forms the class attribute.</a:t>
             </a:r>
+            <a:endParaRPr lang="en-US"/>
           </a:p>
           <a:p>
             <a:pPr lvl="2" algn="just" eaLnBrk="1" hangingPunct="1">
@@ -12744,6 +12536,7 @@
               <a:rPr lang="en-US"/>
               <a:t>Learn a model for the class of the transactions.</a:t>
             </a:r>
+            <a:endParaRPr lang="en-US"/>
           </a:p>
           <a:p>
             <a:pPr lvl="2" algn="just" eaLnBrk="1" hangingPunct="1">
@@ -12755,6 +12548,7 @@
               <a:rPr lang="en-US"/>
               <a:t>Use this model to detect fraud by observing credit card transactions on an account.</a:t>
             </a:r>
+            <a:endParaRPr lang="en-US"/>
           </a:p>
         </p:txBody>
       </p:sp>
@@ -12938,14 +12732,6 @@
                 </a:solidFill>
                 <a:latin typeface="Arial" panose="020B0604020202020204" pitchFamily="34" charset="0"/>
               </a:rPr>
-              <a:pPr>
-                <a:spcBef>
-                  <a:spcPct val="0"/>
-                </a:spcBef>
-                <a:buFontTx/>
-                <a:buNone/>
-              </a:pPr>
-              <a:t>12</a:t>
             </a:fld>
             <a:endParaRPr lang="en-US" sz="1200">
               <a:solidFill>
@@ -12957,11 +12743,6 @@
         </p:txBody>
       </p:sp>
     </p:spTree>
-    <p:extLst>
-      <p:ext uri="{BB962C8B-B14F-4D97-AF65-F5344CB8AC3E}">
-        <p14:creationId xmlns:p14="http://schemas.microsoft.com/office/powerpoint/2010/main" val="1043156175"/>
-      </p:ext>
-    </p:extLst>
   </p:cSld>
   <p:clrMapOvr>
     <a:masterClrMapping/>
@@ -12975,13 +12756,13 @@
               <p:cTn id="2" dur="indefinite" nodeType="mainSeq">
                 <p:childTnLst>
                   <p:par>
-                    <p:cTn id="3" fill="hold" nodeType="clickPar">
+                    <p:cTn id="3" fill="hold">
                       <p:stCondLst>
                         <p:cond delay="indefinite"/>
                       </p:stCondLst>
                       <p:childTnLst>
                         <p:par>
-                          <p:cTn id="4" fill="hold" nodeType="withGroup">
+                          <p:cTn id="4" fill="hold">
                             <p:stCondLst>
                               <p:cond delay="0"/>
                             </p:stCondLst>
@@ -13553,7 +13334,7 @@
           <p:nvPr/>
         </p:nvPicPr>
         <p:blipFill>
-          <a:blip r:embed="rId2">
+          <a:blip r:embed="rId1">
             <a:extLst>
               <a:ext uri="{28A0092B-C50C-407E-A947-70E740481C1C}">
                 <a14:useLocalDpi xmlns:a14="http://schemas.microsoft.com/office/drawing/2010/main" val="0"/>
@@ -13607,7 +13388,7 @@
           <p:nvPr/>
         </p:nvPicPr>
         <p:blipFill>
-          <a:blip r:embed="rId3">
+          <a:blip r:embed="rId2">
             <a:extLst>
               <a:ext uri="{28A0092B-C50C-407E-A947-70E740481C1C}">
                 <a14:useLocalDpi xmlns:a14="http://schemas.microsoft.com/office/drawing/2010/main" val="0"/>
@@ -13661,7 +13442,7 @@
           <p:nvPr/>
         </p:nvPicPr>
         <p:blipFill>
-          <a:blip r:embed="rId4">
+          <a:blip r:embed="rId3">
             <a:extLst>
               <a:ext uri="{28A0092B-C50C-407E-A947-70E740481C1C}">
                 <a14:useLocalDpi xmlns:a14="http://schemas.microsoft.com/office/drawing/2010/main" val="0"/>
@@ -14336,7 +14117,7 @@
             <a:spAutoFit/>
           </a:bodyPr>
           <a:lstStyle>
-            <a:lvl1pPr marL="173038" indent="-173038">
+            <a:lvl1pPr marL="173355" indent="-173355">
               <a:spcBef>
                 <a:spcPct val="20000"/>
               </a:spcBef>
@@ -14480,6 +14261,9 @@
               </a:rPr>
               <a:t>Data Size: </a:t>
             </a:r>
+            <a:endParaRPr lang="en-US" sz="1800">
+              <a:latin typeface="Tahoma" panose="020B0604030504040204" pitchFamily="34" charset="0"/>
+            </a:endParaRPr>
           </a:p>
           <a:p>
             <a:pPr>
@@ -14495,6 +14279,9 @@
               </a:rPr>
               <a:t>72 million stars, 20 million galaxies</a:t>
             </a:r>
+            <a:endParaRPr lang="en-US" sz="1600">
+              <a:latin typeface="Tahoma" panose="020B0604030504040204" pitchFamily="34" charset="0"/>
+            </a:endParaRPr>
           </a:p>
           <a:p>
             <a:pPr>
@@ -14510,6 +14297,9 @@
               </a:rPr>
               <a:t>Object Catalog: 9 GB</a:t>
             </a:r>
+            <a:endParaRPr lang="en-US" sz="1600">
+              <a:latin typeface="Tahoma" panose="020B0604030504040204" pitchFamily="34" charset="0"/>
+            </a:endParaRPr>
           </a:p>
           <a:p>
             <a:pPr>
@@ -14582,7 +14372,7 @@
             <a:spAutoFit/>
           </a:bodyPr>
           <a:lstStyle>
-            <a:lvl1pPr marL="173038" indent="-173038">
+            <a:lvl1pPr marL="173355" indent="-173355">
               <a:spcBef>
                 <a:spcPct val="20000"/>
               </a:spcBef>
@@ -14726,6 +14516,9 @@
               </a:rPr>
               <a:t>Class: </a:t>
             </a:r>
+            <a:endParaRPr lang="en-US" sz="1800">
+              <a:latin typeface="Tahoma" panose="020B0604030504040204" pitchFamily="34" charset="0"/>
+            </a:endParaRPr>
           </a:p>
           <a:p>
             <a:pPr>
@@ -14792,7 +14585,7 @@
             <a:spAutoFit/>
           </a:bodyPr>
           <a:lstStyle>
-            <a:lvl1pPr marL="173038" indent="-173038">
+            <a:lvl1pPr marL="173355" indent="-173355">
               <a:spcBef>
                 <a:spcPct val="20000"/>
               </a:spcBef>
@@ -14936,6 +14729,9 @@
               </a:rPr>
               <a:t>Attributes:</a:t>
             </a:r>
+            <a:endParaRPr lang="en-US" sz="1800">
+              <a:latin typeface="Tahoma" panose="020B0604030504040204" pitchFamily="34" charset="0"/>
+            </a:endParaRPr>
           </a:p>
           <a:p>
             <a:pPr>
@@ -14951,6 +14747,9 @@
               </a:rPr>
               <a:t>Image features, </a:t>
             </a:r>
+            <a:endParaRPr lang="en-US" sz="1600">
+              <a:latin typeface="Tahoma" panose="020B0604030504040204" pitchFamily="34" charset="0"/>
+            </a:endParaRPr>
           </a:p>
           <a:p>
             <a:pPr>
@@ -14966,6 +14765,9 @@
               </a:rPr>
               <a:t>Characteristics of light waves received, etc.</a:t>
             </a:r>
+            <a:endParaRPr lang="en-US" sz="1600">
+              <a:latin typeface="Tahoma" panose="020B0604030504040204" pitchFamily="34" charset="0"/>
+            </a:endParaRPr>
           </a:p>
         </p:txBody>
       </p:sp>
@@ -15045,7 +14847,7 @@
                 <a:solidFill>
                   <a:schemeClr val="tx1"/>
                 </a:solidFill>
-                <a:latin typeface="Tahoma" pitchFamily="34" charset="0"/>
+                <a:latin typeface="Tahoma" panose="020B0604030504040204" pitchFamily="34" charset="0"/>
               </a:defRPr>
             </a:lvl2pPr>
             <a:lvl3pPr algn="l" rtl="0" eaLnBrk="0" fontAlgn="base" hangingPunct="0">
@@ -15062,7 +14864,7 @@
                 <a:solidFill>
                   <a:schemeClr val="tx1"/>
                 </a:solidFill>
-                <a:latin typeface="Tahoma" pitchFamily="34" charset="0"/>
+                <a:latin typeface="Tahoma" panose="020B0604030504040204" pitchFamily="34" charset="0"/>
               </a:defRPr>
             </a:lvl3pPr>
             <a:lvl4pPr algn="l" rtl="0" eaLnBrk="0" fontAlgn="base" hangingPunct="0">
@@ -15079,7 +14881,7 @@
                 <a:solidFill>
                   <a:schemeClr val="tx1"/>
                 </a:solidFill>
-                <a:latin typeface="Tahoma" pitchFamily="34" charset="0"/>
+                <a:latin typeface="Tahoma" panose="020B0604030504040204" pitchFamily="34" charset="0"/>
               </a:defRPr>
             </a:lvl4pPr>
             <a:lvl5pPr algn="l" rtl="0" eaLnBrk="0" fontAlgn="base" hangingPunct="0">
@@ -15096,7 +14898,7 @@
                 <a:solidFill>
                   <a:schemeClr val="tx1"/>
                 </a:solidFill>
-                <a:latin typeface="Tahoma" pitchFamily="34" charset="0"/>
+                <a:latin typeface="Tahoma" panose="020B0604030504040204" pitchFamily="34" charset="0"/>
               </a:defRPr>
             </a:lvl5pPr>
             <a:lvl6pPr marL="457200" algn="l" rtl="0" eaLnBrk="0" fontAlgn="base" hangingPunct="0">
@@ -15113,7 +14915,7 @@
                 <a:solidFill>
                   <a:schemeClr val="tx1"/>
                 </a:solidFill>
-                <a:latin typeface="Tahoma" pitchFamily="34" charset="0"/>
+                <a:latin typeface="Tahoma" panose="020B0604030504040204" pitchFamily="34" charset="0"/>
               </a:defRPr>
             </a:lvl6pPr>
             <a:lvl7pPr marL="914400" algn="l" rtl="0" eaLnBrk="0" fontAlgn="base" hangingPunct="0">
@@ -15130,7 +14932,7 @@
                 <a:solidFill>
                   <a:schemeClr val="tx1"/>
                 </a:solidFill>
-                <a:latin typeface="Tahoma" pitchFamily="34" charset="0"/>
+                <a:latin typeface="Tahoma" panose="020B0604030504040204" pitchFamily="34" charset="0"/>
               </a:defRPr>
             </a:lvl7pPr>
             <a:lvl8pPr marL="1371600" algn="l" rtl="0" eaLnBrk="0" fontAlgn="base" hangingPunct="0">
@@ -15147,7 +14949,7 @@
                 <a:solidFill>
                   <a:schemeClr val="tx1"/>
                 </a:solidFill>
-                <a:latin typeface="Tahoma" pitchFamily="34" charset="0"/>
+                <a:latin typeface="Tahoma" panose="020B0604030504040204" pitchFamily="34" charset="0"/>
               </a:defRPr>
             </a:lvl8pPr>
             <a:lvl9pPr marL="1828800" algn="l" rtl="0" eaLnBrk="0" fontAlgn="base" hangingPunct="0">
@@ -15164,7 +14966,7 @@
                 <a:solidFill>
                   <a:schemeClr val="tx1"/>
                 </a:solidFill>
-                <a:latin typeface="Tahoma" pitchFamily="34" charset="0"/>
+                <a:latin typeface="Tahoma" panose="020B0604030504040204" pitchFamily="34" charset="0"/>
               </a:defRPr>
             </a:lvl9pPr>
           </a:lstStyle>
@@ -15176,6 +14978,7 @@
               <a:rPr lang="en-US" sz="4000" kern="0" dirty="0"/>
               <a:t>Classification: Application 3</a:t>
             </a:r>
+            <a:endParaRPr lang="en-US" sz="4000" kern="0" dirty="0"/>
           </a:p>
         </p:txBody>
       </p:sp>
@@ -15359,14 +15162,6 @@
                 </a:solidFill>
                 <a:latin typeface="Arial" panose="020B0604020202020204" pitchFamily="34" charset="0"/>
               </a:rPr>
-              <a:pPr>
-                <a:spcBef>
-                  <a:spcPct val="0"/>
-                </a:spcBef>
-                <a:buFontTx/>
-                <a:buNone/>
-              </a:pPr>
-              <a:t>13</a:t>
             </a:fld>
             <a:endParaRPr lang="en-US" sz="1200">
               <a:solidFill>
@@ -15411,15 +15206,15 @@
               </a:rPr>
               <a:t>Galaxy Classification</a:t>
             </a:r>
+            <a:endParaRPr lang="en-US" sz="2400" dirty="0">
+              <a:solidFill>
+                <a:srgbClr val="C00000"/>
+              </a:solidFill>
+            </a:endParaRPr>
           </a:p>
         </p:txBody>
       </p:sp>
     </p:spTree>
-    <p:extLst>
-      <p:ext uri="{BB962C8B-B14F-4D97-AF65-F5344CB8AC3E}">
-        <p14:creationId xmlns:p14="http://schemas.microsoft.com/office/powerpoint/2010/main" val="1062828269"/>
-      </p:ext>
-    </p:extLst>
   </p:cSld>
   <p:clrMapOvr>
     <a:masterClrMapping/>
@@ -15471,6 +15266,7 @@
               <a:rPr lang="en-US" b="1" smtClean="0"/>
               <a:t>Clustering Definition</a:t>
             </a:r>
+            <a:endParaRPr lang="en-US" b="1" smtClean="0"/>
           </a:p>
         </p:txBody>
       </p:sp>
@@ -15498,6 +15294,7 @@
               <a:rPr lang="en-US" sz="2400"/>
               <a:t>Given a set of data points, each having a set of attributes, and a similarity measure among them, find clusters such that</a:t>
             </a:r>
+            <a:endParaRPr lang="en-US" sz="2400"/>
           </a:p>
           <a:p>
             <a:pPr lvl="1" algn="just" eaLnBrk="1" hangingPunct="1">
@@ -15509,6 +15306,7 @@
               <a:rPr lang="en-US"/>
               <a:t>Data points in one cluster are more similar to one another.</a:t>
             </a:r>
+            <a:endParaRPr lang="en-US"/>
           </a:p>
           <a:p>
             <a:pPr lvl="1" algn="just" eaLnBrk="1" hangingPunct="1">
@@ -15520,6 +15318,7 @@
               <a:rPr lang="en-US"/>
               <a:t>Data points in separate clusters are less similar to one another.</a:t>
             </a:r>
+            <a:endParaRPr lang="en-US"/>
           </a:p>
           <a:p>
             <a:pPr algn="just" eaLnBrk="1" hangingPunct="1">
@@ -15531,6 +15330,7 @@
               <a:rPr lang="en-US" sz="2400"/>
               <a:t>Similarity Measures:</a:t>
             </a:r>
+            <a:endParaRPr lang="en-US" sz="2400"/>
           </a:p>
           <a:p>
             <a:pPr lvl="1" algn="just" eaLnBrk="1" hangingPunct="1">
@@ -15542,6 +15342,7 @@
               <a:rPr lang="en-US"/>
               <a:t>Euclidean Distance if attributes are continuous.</a:t>
             </a:r>
+            <a:endParaRPr lang="en-US"/>
           </a:p>
           <a:p>
             <a:pPr lvl="1" algn="just" eaLnBrk="1" hangingPunct="1">
@@ -15553,6 +15354,7 @@
               <a:rPr lang="en-US"/>
               <a:t>Other Problem-specific Measures.</a:t>
             </a:r>
+            <a:endParaRPr lang="en-US"/>
           </a:p>
         </p:txBody>
       </p:sp>
@@ -15736,14 +15538,6 @@
                 </a:solidFill>
                 <a:latin typeface="Arial" panose="020B0604020202020204" pitchFamily="34" charset="0"/>
               </a:rPr>
-              <a:pPr>
-                <a:spcBef>
-                  <a:spcPct val="0"/>
-                </a:spcBef>
-                <a:buFontTx/>
-                <a:buNone/>
-              </a:pPr>
-              <a:t>14</a:t>
             </a:fld>
             <a:endParaRPr lang="en-US" sz="1200">
               <a:solidFill>
@@ -15755,11 +15549,6 @@
         </p:txBody>
       </p:sp>
     </p:spTree>
-    <p:extLst>
-      <p:ext uri="{BB962C8B-B14F-4D97-AF65-F5344CB8AC3E}">
-        <p14:creationId xmlns:p14="http://schemas.microsoft.com/office/powerpoint/2010/main" val="655023127"/>
-      </p:ext>
-    </p:extLst>
   </p:cSld>
   <p:clrMapOvr>
     <a:masterClrMapping/>
@@ -15811,6 +15600,7 @@
               <a:rPr lang="en-US" b="1" smtClean="0"/>
               <a:t>Illustrating Clustering</a:t>
             </a:r>
+            <a:endParaRPr lang="en-US" b="1" smtClean="0"/>
           </a:p>
         </p:txBody>
       </p:sp>
@@ -16003,6 +15793,9 @@
               </a:rPr>
               <a:t>Euclidean Distance Based Clustering in 3-D space.</a:t>
             </a:r>
+            <a:endParaRPr kumimoji="1" lang="en-US" sz="2400">
+              <a:latin typeface="Tahoma" panose="020B0604030504040204" pitchFamily="34" charset="0"/>
+            </a:endParaRPr>
           </a:p>
         </p:txBody>
       </p:sp>
@@ -16195,6 +15988,9 @@
               </a:rPr>
               <a:t>Intracluster distances</a:t>
             </a:r>
+            <a:endParaRPr lang="en-US" sz="2400">
+              <a:latin typeface="Times New Roman" panose="02020603050405020304" pitchFamily="18" charset="0"/>
+            </a:endParaRPr>
           </a:p>
           <a:p>
             <a:pPr algn="ctr">
@@ -16210,6 +16006,9 @@
               </a:rPr>
               <a:t>are minimized</a:t>
             </a:r>
+            <a:endParaRPr lang="en-US" sz="2400">
+              <a:latin typeface="Times New Roman" panose="02020603050405020304" pitchFamily="18" charset="0"/>
+            </a:endParaRPr>
           </a:p>
         </p:txBody>
       </p:sp>
@@ -16402,6 +16201,9 @@
               </a:rPr>
               <a:t>Intercluster distances</a:t>
             </a:r>
+            <a:endParaRPr lang="en-US" sz="2400">
+              <a:latin typeface="Times New Roman" panose="02020603050405020304" pitchFamily="18" charset="0"/>
+            </a:endParaRPr>
           </a:p>
           <a:p>
             <a:pPr algn="ctr">
@@ -16417,15 +16219,16 @@
               </a:rPr>
               <a:t>are maximized</a:t>
             </a:r>
+            <a:endParaRPr lang="en-US" sz="2400">
+              <a:latin typeface="Times New Roman" panose="02020603050405020304" pitchFamily="18" charset="0"/>
+            </a:endParaRPr>
           </a:p>
         </p:txBody>
       </p:sp>
       <p:grpSp>
         <p:nvGrpSpPr>
           <p:cNvPr id="107526" name="Group 6"/>
-          <p:cNvGrpSpPr>
-            <a:grpSpLocks/>
-          </p:cNvGrpSpPr>
+          <p:cNvGrpSpPr/>
           <p:nvPr/>
         </p:nvGrpSpPr>
         <p:grpSpPr bwMode="auto">
@@ -16458,8 +16261,6 @@
                 <a:schemeClr val="tx1"/>
               </a:solidFill>
               <a:round/>
-              <a:headEnd/>
-              <a:tailEnd/>
             </a:ln>
             <a:extLst>
               <a:ext uri="{909E8E84-426E-40DD-AFC4-6F175D3DCCD1}">
@@ -16499,8 +16300,6 @@
                 <a:schemeClr val="tx1"/>
               </a:solidFill>
               <a:round/>
-              <a:headEnd/>
-              <a:tailEnd/>
             </a:ln>
             <a:extLst>
               <a:ext uri="{909E8E84-426E-40DD-AFC4-6F175D3DCCD1}">
@@ -16521,9 +16320,7 @@
         <p:sp>
           <p:nvSpPr>
             <p:cNvPr id="107530" name="Freeform 9"/>
-            <p:cNvSpPr>
-              <a:spLocks/>
-            </p:cNvSpPr>
+            <p:cNvSpPr/>
             <p:nvPr/>
           </p:nvSpPr>
           <p:spPr bwMode="auto">
@@ -16619,8 +16416,6 @@
                 <a:schemeClr val="tx1"/>
               </a:solidFill>
               <a:miter lim="800000"/>
-              <a:headEnd/>
-              <a:tailEnd/>
             </a:ln>
           </p:spPr>
           <p:txBody>
@@ -16796,8 +16591,6 @@
                 <a:schemeClr val="tx1"/>
               </a:solidFill>
               <a:miter lim="800000"/>
-              <a:headEnd/>
-              <a:tailEnd/>
             </a:ln>
           </p:spPr>
           <p:txBody>
@@ -16973,8 +16766,6 @@
                 <a:schemeClr val="tx1"/>
               </a:solidFill>
               <a:miter lim="800000"/>
-              <a:headEnd/>
-              <a:tailEnd/>
             </a:ln>
           </p:spPr>
           <p:txBody>
@@ -17150,8 +16941,6 @@
                 <a:schemeClr val="tx1"/>
               </a:solidFill>
               <a:miter lim="800000"/>
-              <a:headEnd/>
-              <a:tailEnd/>
             </a:ln>
           </p:spPr>
           <p:txBody>
@@ -17327,8 +17116,6 @@
                 <a:schemeClr val="tx1"/>
               </a:solidFill>
               <a:miter lim="800000"/>
-              <a:headEnd/>
-              <a:tailEnd/>
             </a:ln>
           </p:spPr>
           <p:txBody>
@@ -17504,8 +17291,6 @@
                 <a:schemeClr val="tx1"/>
               </a:solidFill>
               <a:miter lim="800000"/>
-              <a:headEnd/>
-              <a:tailEnd/>
             </a:ln>
           </p:spPr>
           <p:txBody>
@@ -17681,8 +17466,6 @@
                 <a:schemeClr val="tx1"/>
               </a:solidFill>
               <a:miter lim="800000"/>
-              <a:headEnd/>
-              <a:tailEnd/>
             </a:ln>
           </p:spPr>
           <p:txBody>
@@ -17858,8 +17641,6 @@
                 <a:schemeClr val="tx1"/>
               </a:solidFill>
               <a:miter lim="800000"/>
-              <a:headEnd/>
-              <a:tailEnd/>
             </a:ln>
           </p:spPr>
           <p:txBody>
@@ -18035,8 +17816,6 @@
                 <a:schemeClr val="tx1"/>
               </a:solidFill>
               <a:miter lim="800000"/>
-              <a:headEnd/>
-              <a:tailEnd/>
             </a:ln>
           </p:spPr>
           <p:txBody>
@@ -18212,8 +17991,6 @@
                 <a:schemeClr val="tx1"/>
               </a:solidFill>
               <a:miter lim="800000"/>
-              <a:headEnd/>
-              <a:tailEnd/>
             </a:ln>
           </p:spPr>
           <p:txBody>
@@ -18389,8 +18166,6 @@
                 <a:schemeClr val="tx1"/>
               </a:solidFill>
               <a:miter lim="800000"/>
-              <a:headEnd/>
-              <a:tailEnd/>
             </a:ln>
           </p:spPr>
           <p:txBody>
@@ -18566,8 +18341,6 @@
                 <a:schemeClr val="tx1"/>
               </a:solidFill>
               <a:miter lim="800000"/>
-              <a:headEnd/>
-              <a:tailEnd/>
             </a:ln>
           </p:spPr>
           <p:txBody>
@@ -18743,8 +18516,6 @@
                 <a:schemeClr val="tx1"/>
               </a:solidFill>
               <a:miter lim="800000"/>
-              <a:headEnd/>
-              <a:tailEnd/>
             </a:ln>
           </p:spPr>
           <p:txBody>
@@ -18920,8 +18691,6 @@
                 <a:schemeClr val="tx1"/>
               </a:solidFill>
               <a:miter lim="800000"/>
-              <a:headEnd/>
-              <a:tailEnd/>
             </a:ln>
           </p:spPr>
           <p:txBody>
@@ -19097,8 +18866,6 @@
                 <a:schemeClr val="tx1"/>
               </a:solidFill>
               <a:miter lim="800000"/>
-              <a:headEnd/>
-              <a:tailEnd/>
             </a:ln>
           </p:spPr>
           <p:txBody>
@@ -19274,8 +19041,6 @@
                 <a:schemeClr val="tx1"/>
               </a:solidFill>
               <a:miter lim="800000"/>
-              <a:headEnd/>
-              <a:tailEnd/>
             </a:ln>
           </p:spPr>
           <p:txBody>
@@ -19451,8 +19216,6 @@
                 <a:schemeClr val="tx1"/>
               </a:solidFill>
               <a:miter lim="800000"/>
-              <a:headEnd/>
-              <a:tailEnd/>
             </a:ln>
           </p:spPr>
           <p:txBody>
@@ -19628,8 +19391,6 @@
                 <a:schemeClr val="tx1"/>
               </a:solidFill>
               <a:miter lim="800000"/>
-              <a:headEnd/>
-              <a:tailEnd/>
             </a:ln>
           </p:spPr>
           <p:txBody>
@@ -19805,8 +19566,6 @@
                 <a:schemeClr val="tx1"/>
               </a:solidFill>
               <a:miter lim="800000"/>
-              <a:headEnd/>
-              <a:tailEnd/>
             </a:ln>
           </p:spPr>
           <p:txBody>
@@ -19982,8 +19741,6 @@
                 <a:schemeClr val="tx1"/>
               </a:solidFill>
               <a:miter lim="800000"/>
-              <a:headEnd/>
-              <a:tailEnd/>
             </a:ln>
           </p:spPr>
           <p:txBody>
@@ -20159,8 +19916,6 @@
                 <a:schemeClr val="tx1"/>
               </a:solidFill>
               <a:miter lim="800000"/>
-              <a:headEnd/>
-              <a:tailEnd/>
             </a:ln>
           </p:spPr>
           <p:txBody>
@@ -20336,8 +20091,6 @@
                 <a:schemeClr val="tx1"/>
               </a:solidFill>
               <a:miter lim="800000"/>
-              <a:headEnd/>
-              <a:tailEnd/>
             </a:ln>
           </p:spPr>
           <p:txBody>
@@ -20513,8 +20266,6 @@
                 <a:schemeClr val="tx1"/>
               </a:solidFill>
               <a:miter lim="800000"/>
-              <a:headEnd/>
-              <a:tailEnd/>
             </a:ln>
           </p:spPr>
           <p:txBody>
@@ -20845,14 +20596,6 @@
                 </a:solidFill>
                 <a:latin typeface="Arial" panose="020B0604020202020204" pitchFamily="34" charset="0"/>
               </a:rPr>
-              <a:pPr>
-                <a:spcBef>
-                  <a:spcPct val="0"/>
-                </a:spcBef>
-                <a:buFontTx/>
-                <a:buNone/>
-              </a:pPr>
-              <a:t>15</a:t>
             </a:fld>
             <a:endParaRPr lang="en-US" sz="1200">
               <a:solidFill>
@@ -20864,11 +20607,6 @@
         </p:txBody>
       </p:sp>
     </p:spTree>
-    <p:extLst>
-      <p:ext uri="{BB962C8B-B14F-4D97-AF65-F5344CB8AC3E}">
-        <p14:creationId xmlns:p14="http://schemas.microsoft.com/office/powerpoint/2010/main" val="320173978"/>
-      </p:ext>
-    </p:extLst>
   </p:cSld>
   <p:clrMapOvr>
     <a:masterClrMapping/>
@@ -20920,6 +20658,7 @@
               <a:rPr lang="en-US" b="1" smtClean="0"/>
               <a:t>Clustering: Application 1</a:t>
             </a:r>
+            <a:endParaRPr lang="en-US" b="1" smtClean="0"/>
           </a:p>
         </p:txBody>
       </p:sp>
@@ -20956,6 +20695,11 @@
               </a:rPr>
               <a:t>Market Segmentation:</a:t>
             </a:r>
+            <a:endParaRPr lang="en-US" sz="2400" b="1">
+              <a:solidFill>
+                <a:srgbClr val="C00000"/>
+              </a:solidFill>
+            </a:endParaRPr>
           </a:p>
           <a:p>
             <a:pPr lvl="1" algn="just" eaLnBrk="1" hangingPunct="1">
@@ -20967,6 +20711,7 @@
               <a:rPr lang="en-US"/>
               <a:t>Goal: subdivide a market into distinct subsets of customers where any subset may conceivably be selected as a market target to be reached with a distinct marketing mix.</a:t>
             </a:r>
+            <a:endParaRPr lang="en-US"/>
           </a:p>
           <a:p>
             <a:pPr lvl="1" algn="just" eaLnBrk="1" hangingPunct="1">
@@ -20978,6 +20723,7 @@
               <a:rPr lang="en-US"/>
               <a:t>Approach: </a:t>
             </a:r>
+            <a:endParaRPr lang="en-US"/>
           </a:p>
           <a:p>
             <a:pPr lvl="2" algn="just" eaLnBrk="1" hangingPunct="1">
@@ -20989,6 +20735,7 @@
               <a:rPr lang="en-US"/>
               <a:t>Collect different attributes of customers based on their geographical and lifestyle related information.</a:t>
             </a:r>
+            <a:endParaRPr lang="en-US"/>
           </a:p>
           <a:p>
             <a:pPr lvl="2" algn="just" eaLnBrk="1" hangingPunct="1">
@@ -21000,6 +20747,7 @@
               <a:rPr lang="en-US"/>
               <a:t>Find clusters of similar customers.</a:t>
             </a:r>
+            <a:endParaRPr lang="en-US"/>
           </a:p>
           <a:p>
             <a:pPr lvl="2" algn="just" eaLnBrk="1" hangingPunct="1">
@@ -21195,14 +20943,6 @@
                 </a:solidFill>
                 <a:latin typeface="Arial" panose="020B0604020202020204" pitchFamily="34" charset="0"/>
               </a:rPr>
-              <a:pPr>
-                <a:spcBef>
-                  <a:spcPct val="0"/>
-                </a:spcBef>
-                <a:buFontTx/>
-                <a:buNone/>
-              </a:pPr>
-              <a:t>16</a:t>
             </a:fld>
             <a:endParaRPr lang="en-US" sz="1200">
               <a:solidFill>
@@ -21214,11 +20954,6 @@
         </p:txBody>
       </p:sp>
     </p:spTree>
-    <p:extLst>
-      <p:ext uri="{BB962C8B-B14F-4D97-AF65-F5344CB8AC3E}">
-        <p14:creationId xmlns:p14="http://schemas.microsoft.com/office/powerpoint/2010/main" val="2973063167"/>
-      </p:ext>
-    </p:extLst>
   </p:cSld>
   <p:clrMapOvr>
     <a:masterClrMapping/>
@@ -21232,13 +20967,13 @@
               <p:cTn id="2" dur="indefinite" nodeType="mainSeq">
                 <p:childTnLst>
                   <p:par>
-                    <p:cTn id="3" fill="hold" nodeType="clickPar">
+                    <p:cTn id="3" fill="hold">
                       <p:stCondLst>
                         <p:cond delay="indefinite"/>
                       </p:stCondLst>
                       <p:childTnLst>
                         <p:par>
-                          <p:cTn id="4" fill="hold" nodeType="withGroup">
+                          <p:cTn id="4" fill="hold">
                             <p:stCondLst>
                               <p:cond delay="0"/>
                             </p:stCondLst>
@@ -21651,6 +21386,7 @@
               <a:rPr lang="en-US" b="1" smtClean="0"/>
               <a:t>Clustering: Application 2</a:t>
             </a:r>
+            <a:endParaRPr lang="en-US" b="1" smtClean="0"/>
           </a:p>
         </p:txBody>
       </p:sp>
@@ -21678,6 +21414,11 @@
               </a:rPr>
               <a:t>Document Clustering:</a:t>
             </a:r>
+            <a:endParaRPr lang="en-US" sz="2400" b="1">
+              <a:solidFill>
+                <a:srgbClr val="C00000"/>
+              </a:solidFill>
+            </a:endParaRPr>
           </a:p>
           <a:p>
             <a:pPr lvl="1" eaLnBrk="1" hangingPunct="1"/>
@@ -21685,6 +21426,7 @@
               <a:rPr lang="en-US"/>
               <a:t>Goal: To find groups of documents that are similar to each other based on the important terms appearing in them.</a:t>
             </a:r>
+            <a:endParaRPr lang="en-US"/>
           </a:p>
         </p:txBody>
       </p:sp>
@@ -21868,14 +21610,6 @@
                 </a:solidFill>
                 <a:latin typeface="Arial" panose="020B0604020202020204" pitchFamily="34" charset="0"/>
               </a:rPr>
-              <a:pPr>
-                <a:spcBef>
-                  <a:spcPct val="0"/>
-                </a:spcBef>
-                <a:buFontTx/>
-                <a:buNone/>
-              </a:pPr>
-              <a:t>17</a:t>
             </a:fld>
             <a:endParaRPr lang="en-US" sz="1200">
               <a:solidFill>
@@ -21887,11 +21621,6 @@
         </p:txBody>
       </p:sp>
     </p:spTree>
-    <p:extLst>
-      <p:ext uri="{BB962C8B-B14F-4D97-AF65-F5344CB8AC3E}">
-        <p14:creationId xmlns:p14="http://schemas.microsoft.com/office/powerpoint/2010/main" val="2088738521"/>
-      </p:ext>
-    </p:extLst>
   </p:cSld>
   <p:clrMapOvr>
     <a:masterClrMapping/>
@@ -21943,6 +21672,7 @@
               <a:rPr lang="en-US" b="1" smtClean="0"/>
               <a:t>Illustrating Document Clustering</a:t>
             </a:r>
+            <a:endParaRPr lang="en-US" b="1" smtClean="0"/>
           </a:p>
         </p:txBody>
       </p:sp>
@@ -21971,6 +21701,7 @@
               <a:rPr lang="en-US" sz="2400"/>
               <a:t>Clustering Points: 3204 Articles of HimalyanTimes.</a:t>
             </a:r>
+            <a:endParaRPr lang="en-US" sz="2400"/>
           </a:p>
           <a:p>
             <a:pPr eaLnBrk="1" hangingPunct="1"/>
@@ -21998,23 +21729,23 @@
           <a:graphicData uri="http://schemas.openxmlformats.org/presentationml/2006/ole">
             <mc:AlternateContent xmlns:mc="http://schemas.openxmlformats.org/markup-compatibility/2006">
               <mc:Choice xmlns:v="urn:schemas-microsoft-com:vml" Requires="v">
-                <p:oleObj spid="_x0000_s3079" name="Document" r:id="rId3" imgW="6108192" imgH="5064252" progId="Word.Document.8">
+                <p:oleObj spid="_x0000_s3079" name="Document" r:id="rId1" imgW="6108065" imgH="5064125" progId="Word.Document.8">
                   <p:embed/>
                 </p:oleObj>
               </mc:Choice>
               <mc:Fallback>
-                <p:oleObj name="Document" r:id="rId3" imgW="6108192" imgH="5064252" progId="Word.Document.8">
+                <p:oleObj name="Document" r:id="rId1" imgW="6108065" imgH="5064125" progId="Word.Document.8">
                   <p:embed/>
                   <p:pic>
                     <p:nvPicPr>
-                      <p:cNvPr id="0" name=""/>
+                      <p:cNvPr id="0" name="Picture 3078"/>
                       <p:cNvPicPr>
                         <a:picLocks noChangeAspect="1" noChangeArrowheads="1"/>
                       </p:cNvPicPr>
                       <p:nvPr/>
                     </p:nvPicPr>
                     <p:blipFill>
-                      <a:blip r:embed="rId4">
+                      <a:blip r:embed="rId2">
                         <a:extLst>
                           <a:ext uri="{28A0092B-C50C-407E-A947-70E740481C1C}">
                             <a14:useLocalDpi xmlns:a14="http://schemas.microsoft.com/office/drawing/2010/main" val="0"/>
@@ -22255,14 +21986,6 @@
                 </a:solidFill>
                 <a:latin typeface="Arial" panose="020B0604020202020204" pitchFamily="34" charset="0"/>
               </a:rPr>
-              <a:pPr>
-                <a:spcBef>
-                  <a:spcPct val="0"/>
-                </a:spcBef>
-                <a:buFontTx/>
-                <a:buNone/>
-              </a:pPr>
-              <a:t>18</a:t>
             </a:fld>
             <a:endParaRPr lang="en-US" sz="1200">
               <a:solidFill>
@@ -22274,11 +21997,6 @@
         </p:txBody>
       </p:sp>
     </p:spTree>
-    <p:extLst>
-      <p:ext uri="{BB962C8B-B14F-4D97-AF65-F5344CB8AC3E}">
-        <p14:creationId xmlns:p14="http://schemas.microsoft.com/office/powerpoint/2010/main" val="2508661978"/>
-      </p:ext>
-    </p:extLst>
   </p:cSld>
   <p:clrMapOvr>
     <a:masterClrMapping/>
@@ -22339,6 +22057,7 @@
               <a:rPr lang="en-US" b="1" dirty="0" smtClean="0"/>
               <a:t>Clustering of Stock Data</a:t>
             </a:r>
+            <a:endParaRPr lang="en-US" b="1" dirty="0" smtClean="0"/>
           </a:p>
         </p:txBody>
       </p:sp>
@@ -22400,7 +22119,7 @@
                 <a:latin typeface="Calibri" panose="020F0502020204030204" pitchFamily="34" charset="0"/>
               </a:defRPr>
             </a:lvl1pPr>
-            <a:lvl2pPr marL="742950" indent="-233363">
+            <a:lvl2pPr marL="742950" indent="-233680">
               <a:spcBef>
                 <a:spcPct val="20000"/>
               </a:spcBef>
@@ -22529,6 +22248,9 @@
               </a:rPr>
               <a:t>Observe Stock Movements every day. </a:t>
             </a:r>
+            <a:endParaRPr lang="en-US" sz="2400">
+              <a:latin typeface="Tahoma" panose="020B0604030504040204" pitchFamily="34" charset="0"/>
+            </a:endParaRPr>
           </a:p>
           <a:p>
             <a:pPr>
@@ -22542,6 +22264,9 @@
               </a:rPr>
               <a:t>Clustering points: Stock-{UP/DOWN}</a:t>
             </a:r>
+            <a:endParaRPr lang="en-US" sz="2400">
+              <a:latin typeface="Tahoma" panose="020B0604030504040204" pitchFamily="34" charset="0"/>
+            </a:endParaRPr>
           </a:p>
           <a:p>
             <a:pPr>
@@ -22555,6 +22280,9 @@
               </a:rPr>
               <a:t>Similarity Measure: Two points are more similar if the events described by them frequently happen together on the same day. </a:t>
             </a:r>
+            <a:endParaRPr lang="en-US" sz="2400">
+              <a:latin typeface="Tahoma" panose="020B0604030504040204" pitchFamily="34" charset="0"/>
+            </a:endParaRPr>
           </a:p>
         </p:txBody>
       </p:sp>
@@ -22738,14 +22466,6 @@
                 </a:solidFill>
                 <a:latin typeface="Arial" panose="020B0604020202020204" pitchFamily="34" charset="0"/>
               </a:rPr>
-              <a:pPr>
-                <a:spcBef>
-                  <a:spcPct val="0"/>
-                </a:spcBef>
-                <a:buFontTx/>
-                <a:buNone/>
-              </a:pPr>
-              <a:t>19</a:t>
             </a:fld>
             <a:endParaRPr lang="en-US" sz="1200">
               <a:solidFill>
@@ -22757,11 +22477,6 @@
         </p:txBody>
       </p:sp>
     </p:spTree>
-    <p:extLst>
-      <p:ext uri="{BB962C8B-B14F-4D97-AF65-F5344CB8AC3E}">
-        <p14:creationId xmlns:p14="http://schemas.microsoft.com/office/powerpoint/2010/main" val="2626571078"/>
-      </p:ext>
-    </p:extLst>
   </p:cSld>
   <p:clrMapOvr>
     <a:masterClrMapping/>
@@ -22802,7 +22517,7 @@
           <p:nvPr/>
         </p:nvPicPr>
         <p:blipFill>
-          <a:blip r:embed="rId3">
+          <a:blip r:embed="rId1">
             <a:extLst>
               <a:ext uri="{28A0092B-C50C-407E-A947-70E740481C1C}">
                 <a14:useLocalDpi xmlns:a14="http://schemas.microsoft.com/office/drawing/2010/main" val="0"/>
@@ -22876,6 +22591,7 @@
               <a:rPr lang="en-US" b="1" dirty="0" smtClean="0"/>
               <a:t>What is Data Mining?</a:t>
             </a:r>
+            <a:endParaRPr lang="en-US" b="1" dirty="0" smtClean="0"/>
           </a:p>
         </p:txBody>
       </p:sp>
@@ -22908,6 +22624,7 @@
               <a:rPr lang="en-US" sz="2400" dirty="0"/>
               <a:t>Many Definitions</a:t>
             </a:r>
+            <a:endParaRPr lang="en-US" sz="2400" dirty="0"/>
           </a:p>
           <a:p>
             <a:pPr lvl="1" eaLnBrk="1" hangingPunct="1">
@@ -22919,6 +22636,7 @@
               <a:rPr lang="en-US" dirty="0"/>
               <a:t>Non-trivial extraction of implicit, previously unknown and potentially useful information from data</a:t>
             </a:r>
+            <a:endParaRPr lang="en-US" dirty="0"/>
           </a:p>
           <a:p>
             <a:pPr lvl="1" eaLnBrk="1" hangingPunct="1">
@@ -23145,14 +22863,6 @@
                 </a:solidFill>
                 <a:latin typeface="Arial" panose="020B0604020202020204" pitchFamily="34" charset="0"/>
               </a:rPr>
-              <a:pPr>
-                <a:spcBef>
-                  <a:spcPct val="0"/>
-                </a:spcBef>
-                <a:buFontTx/>
-                <a:buNone/>
-              </a:pPr>
-              <a:t>2</a:t>
             </a:fld>
             <a:endParaRPr lang="en-US" sz="1200">
               <a:solidFill>
@@ -23164,11 +22874,6 @@
         </p:txBody>
       </p:sp>
     </p:spTree>
-    <p:extLst>
-      <p:ext uri="{BB962C8B-B14F-4D97-AF65-F5344CB8AC3E}">
-        <p14:creationId xmlns:p14="http://schemas.microsoft.com/office/powerpoint/2010/main" val="535717970"/>
-      </p:ext>
-    </p:extLst>
   </p:cSld>
   <p:clrMapOvr>
     <a:masterClrMapping/>
@@ -23220,6 +22925,7 @@
               <a:rPr lang="en-US" b="1" smtClean="0"/>
               <a:t>Association Rule Discovery: Definition</a:t>
             </a:r>
+            <a:endParaRPr lang="en-US" b="1" smtClean="0"/>
           </a:p>
         </p:txBody>
       </p:sp>
@@ -23243,6 +22949,7 @@
               <a:rPr lang="en-US" sz="2400"/>
               <a:t>Given a set of records each of which contain some number of items from a given collection;</a:t>
             </a:r>
+            <a:endParaRPr lang="en-US" sz="2400"/>
           </a:p>
           <a:p>
             <a:pPr lvl="1" eaLnBrk="1" hangingPunct="1"/>
@@ -23270,23 +22977,23 @@
           <a:graphicData uri="http://schemas.openxmlformats.org/presentationml/2006/ole">
             <mc:AlternateContent xmlns:mc="http://schemas.openxmlformats.org/markup-compatibility/2006">
               <mc:Choice xmlns:v="urn:schemas-microsoft-com:vml" Requires="v">
-                <p:oleObj spid="_x0000_s4103" name="Document" r:id="rId3" imgW="3823716" imgH="1999488" progId="Word.Document.8">
+                <p:oleObj spid="_x0000_s4103" name="Document" r:id="rId1" imgW="3823970" imgH="1999615" progId="Word.Document.8">
                   <p:embed/>
                 </p:oleObj>
               </mc:Choice>
               <mc:Fallback>
-                <p:oleObj name="Document" r:id="rId3" imgW="3823716" imgH="1999488" progId="Word.Document.8">
+                <p:oleObj name="Document" r:id="rId1" imgW="3823970" imgH="1999615" progId="Word.Document.8">
                   <p:embed/>
                   <p:pic>
                     <p:nvPicPr>
-                      <p:cNvPr id="0" name=""/>
+                      <p:cNvPr id="0" name="Picture 4102"/>
                       <p:cNvPicPr>
                         <a:picLocks noChangeAspect="1" noChangeArrowheads="1"/>
                       </p:cNvPicPr>
                       <p:nvPr/>
                     </p:nvPicPr>
                     <p:blipFill>
-                      <a:blip r:embed="rId4">
+                      <a:blip r:embed="rId2">
                         <a:extLst>
                           <a:ext uri="{28A0092B-C50C-407E-A947-70E740481C1C}">
                             <a14:useLocalDpi xmlns:a14="http://schemas.microsoft.com/office/drawing/2010/main" val="0"/>
@@ -23536,6 +23243,9 @@
               </a:rPr>
               <a:t>Rules Discovered:</a:t>
             </a:r>
+            <a:endParaRPr lang="en-US" sz="2000">
+              <a:latin typeface="Times New Roman" panose="02020603050405020304" pitchFamily="18" charset="0"/>
+            </a:endParaRPr>
           </a:p>
           <a:p>
             <a:pPr>
@@ -23560,6 +23270,12 @@
               </a:rPr>
               <a:t>{Milk} --&gt; {Coke}</a:t>
             </a:r>
+            <a:endParaRPr lang="en-US" sz="1800">
+              <a:solidFill>
+                <a:srgbClr val="CC0000"/>
+              </a:solidFill>
+              <a:latin typeface="Tahoma" panose="020B0604030504040204" pitchFamily="34" charset="0"/>
+            </a:endParaRPr>
           </a:p>
           <a:p>
             <a:pPr>
@@ -23764,14 +23480,6 @@
                 </a:solidFill>
                 <a:latin typeface="Arial" panose="020B0604020202020204" pitchFamily="34" charset="0"/>
               </a:rPr>
-              <a:pPr>
-                <a:spcBef>
-                  <a:spcPct val="0"/>
-                </a:spcBef>
-                <a:buFontTx/>
-                <a:buNone/>
-              </a:pPr>
-              <a:t>20</a:t>
             </a:fld>
             <a:endParaRPr lang="en-US" sz="1200">
               <a:solidFill>
@@ -23783,11 +23491,6 @@
         </p:txBody>
       </p:sp>
     </p:spTree>
-    <p:extLst>
-      <p:ext uri="{BB962C8B-B14F-4D97-AF65-F5344CB8AC3E}">
-        <p14:creationId xmlns:p14="http://schemas.microsoft.com/office/powerpoint/2010/main" val="850994418"/>
-      </p:ext>
-    </p:extLst>
   </p:cSld>
   <p:clrMapOvr>
     <a:masterClrMapping/>
@@ -23846,6 +23549,7 @@
               <a:rPr lang="en-US" b="1" smtClean="0"/>
               <a:t>Association Rule Discovery: Application 1</a:t>
             </a:r>
+            <a:endParaRPr lang="en-US" b="1" smtClean="0"/>
           </a:p>
         </p:txBody>
       </p:sp>
@@ -23882,6 +23586,11 @@
               </a:rPr>
               <a:t>Marketing and Sales Promotion:</a:t>
             </a:r>
+            <a:endParaRPr lang="en-US" sz="2400" b="1">
+              <a:solidFill>
+                <a:srgbClr val="C00000"/>
+              </a:solidFill>
+            </a:endParaRPr>
           </a:p>
           <a:p>
             <a:pPr lvl="1" algn="just" eaLnBrk="1" hangingPunct="1">
@@ -23905,6 +23614,11 @@
               </a:rPr>
               <a:t> </a:t>
             </a:r>
+            <a:endParaRPr lang="en-US" i="1">
+              <a:solidFill>
+                <a:srgbClr val="FF0066"/>
+              </a:solidFill>
+            </a:endParaRPr>
           </a:p>
           <a:p>
             <a:pPr lvl="1" algn="just" eaLnBrk="1" hangingPunct="1">
@@ -23954,6 +23668,7 @@
               <a:rPr lang="en-US"/>
               <a:t> =&gt; Can be used to determine what should be done to boost its sales.</a:t>
             </a:r>
+            <a:endParaRPr lang="en-US"/>
           </a:p>
           <a:p>
             <a:pPr lvl="1" algn="just" eaLnBrk="1" hangingPunct="1">
@@ -23973,6 +23688,7 @@
               <a:rPr lang="en-US"/>
               <a:t> =&gt; Can be used to see which products would be affected if the store discontinues selling bagels.</a:t>
             </a:r>
+            <a:endParaRPr lang="en-US"/>
           </a:p>
           <a:p>
             <a:pPr lvl="1" algn="just" eaLnBrk="1" hangingPunct="1">
@@ -24024,6 +23740,7 @@
               <a:rPr lang="en-US"/>
               <a:t>Can be used to see what products should be sold with Bagels to promote sale of Potato chips!</a:t>
             </a:r>
+            <a:endParaRPr lang="en-US"/>
           </a:p>
         </p:txBody>
       </p:sp>
@@ -24207,14 +23924,6 @@
                 </a:solidFill>
                 <a:latin typeface="Arial" panose="020B0604020202020204" pitchFamily="34" charset="0"/>
               </a:rPr>
-              <a:pPr>
-                <a:spcBef>
-                  <a:spcPct val="0"/>
-                </a:spcBef>
-                <a:buFontTx/>
-                <a:buNone/>
-              </a:pPr>
-              <a:t>21</a:t>
             </a:fld>
             <a:endParaRPr lang="en-US" sz="1200">
               <a:solidFill>
@@ -24226,11 +23935,6 @@
         </p:txBody>
       </p:sp>
     </p:spTree>
-    <p:extLst>
-      <p:ext uri="{BB962C8B-B14F-4D97-AF65-F5344CB8AC3E}">
-        <p14:creationId xmlns:p14="http://schemas.microsoft.com/office/powerpoint/2010/main" val="2734932451"/>
-      </p:ext>
-    </p:extLst>
   </p:cSld>
   <p:clrMapOvr>
     <a:masterClrMapping/>
@@ -24282,6 +23986,7 @@
               <a:rPr lang="en-US" b="1" smtClean="0"/>
               <a:t>Association Rule Discovery: Application 2</a:t>
             </a:r>
+            <a:endParaRPr lang="en-US" b="1" smtClean="0"/>
           </a:p>
         </p:txBody>
       </p:sp>
@@ -24309,6 +24014,11 @@
               </a:rPr>
               <a:t>Supermarket shelf management:</a:t>
             </a:r>
+            <a:endParaRPr lang="en-US" sz="2400" b="1">
+              <a:solidFill>
+                <a:srgbClr val="C00000"/>
+              </a:solidFill>
+            </a:endParaRPr>
           </a:p>
           <a:p>
             <a:pPr lvl="1" eaLnBrk="1" hangingPunct="1"/>
@@ -24316,6 +24026,7 @@
               <a:rPr lang="en-US"/>
               <a:t>Goal: To identify items that are bought together by sufficiently many customers.</a:t>
             </a:r>
+            <a:endParaRPr lang="en-US"/>
           </a:p>
           <a:p>
             <a:pPr lvl="1" eaLnBrk="1" hangingPunct="1"/>
@@ -24323,6 +24034,7 @@
               <a:rPr lang="en-US"/>
               <a:t>Approach: Process the point-of-sale data collected with barcode scanners to find dependencies among items.</a:t>
             </a:r>
+            <a:endParaRPr lang="en-US"/>
           </a:p>
           <a:p>
             <a:pPr lvl="1" eaLnBrk="1" hangingPunct="1"/>
@@ -24330,6 +24042,7 @@
               <a:rPr lang="en-US"/>
               <a:t>A classic rule --</a:t>
             </a:r>
+            <a:endParaRPr lang="en-US"/>
           </a:p>
           <a:p>
             <a:pPr lvl="2" eaLnBrk="1" hangingPunct="1"/>
@@ -24337,6 +24050,7 @@
               <a:rPr lang="en-US" smtClean="0"/>
               <a:t>If a customer buys diaper and milk, then he is very likely to buy beer.</a:t>
             </a:r>
+            <a:endParaRPr lang="en-US" smtClean="0"/>
           </a:p>
           <a:p>
             <a:pPr lvl="2" eaLnBrk="1" hangingPunct="1"/>
@@ -24344,6 +24058,7 @@
               <a:rPr lang="en-US" smtClean="0"/>
               <a:t>So, don’t be surprised if you find six-packs stacked next to diapers!</a:t>
             </a:r>
+            <a:endParaRPr lang="en-US" smtClean="0"/>
           </a:p>
         </p:txBody>
       </p:sp>
@@ -24527,14 +24242,6 @@
                 </a:solidFill>
                 <a:latin typeface="Arial" panose="020B0604020202020204" pitchFamily="34" charset="0"/>
               </a:rPr>
-              <a:pPr>
-                <a:spcBef>
-                  <a:spcPct val="0"/>
-                </a:spcBef>
-                <a:buFontTx/>
-                <a:buNone/>
-              </a:pPr>
-              <a:t>22</a:t>
             </a:fld>
             <a:endParaRPr lang="en-US" sz="1200">
               <a:solidFill>
@@ -24546,11 +24253,6 @@
         </p:txBody>
       </p:sp>
     </p:spTree>
-    <p:extLst>
-      <p:ext uri="{BB962C8B-B14F-4D97-AF65-F5344CB8AC3E}">
-        <p14:creationId xmlns:p14="http://schemas.microsoft.com/office/powerpoint/2010/main" val="660082591"/>
-      </p:ext>
-    </p:extLst>
   </p:cSld>
   <p:clrMapOvr>
     <a:masterClrMapping/>
@@ -24611,6 +24313,7 @@
               <a:rPr lang="en-US" b="1" dirty="0" smtClean="0"/>
               <a:t>Sequential Pattern Discovery: Definition</a:t>
             </a:r>
+            <a:endParaRPr lang="en-US" b="1" dirty="0" smtClean="0"/>
           </a:p>
         </p:txBody>
       </p:sp>
@@ -24645,6 +24348,7 @@
               <a:rPr lang="en-US" sz="2600" dirty="0"/>
               <a:t>Given is a set of objects, with each object associated with its own timeline of events, find rules that predict strong sequential dependencies among different events.</a:t>
             </a:r>
+            <a:endParaRPr lang="en-US" sz="2600" dirty="0"/>
           </a:p>
           <a:p>
             <a:pPr eaLnBrk="1" hangingPunct="1">
@@ -24664,15 +24368,14 @@
               <a:rPr lang="en-US" sz="2600" dirty="0"/>
               <a:t>Rules are formed by first discovering patterns. Event occurrences in the patterns are governed by timing constraints.</a:t>
             </a:r>
+            <a:endParaRPr lang="en-US" sz="2600" dirty="0"/>
           </a:p>
         </p:txBody>
       </p:sp>
       <p:grpSp>
         <p:nvGrpSpPr>
           <p:cNvPr id="119812" name="Group 4"/>
-          <p:cNvGrpSpPr>
-            <a:grpSpLocks/>
-          </p:cNvGrpSpPr>
+          <p:cNvGrpSpPr/>
           <p:nvPr/>
         </p:nvGrpSpPr>
         <p:grpSpPr bwMode="auto">
@@ -24707,8 +24410,6 @@
                 <a:schemeClr val="tx1"/>
               </a:solidFill>
               <a:miter lim="800000"/>
-              <a:headEnd/>
-              <a:tailEnd/>
             </a:ln>
             <a:effectLst>
               <a:outerShdw dist="107763" dir="2700000" algn="ctr" rotWithShape="0">
@@ -25047,6 +24748,9 @@
                 </a:rPr>
                 <a:t>(A   B)     (C)    (D   E)</a:t>
               </a:r>
+              <a:endParaRPr lang="en-US" sz="2800">
+                <a:latin typeface="Times New Roman" panose="02020603050405020304" pitchFamily="18" charset="0"/>
+              </a:endParaRPr>
             </a:p>
           </p:txBody>
         </p:sp>
@@ -26008,8 +25712,6 @@
                 <a:schemeClr val="tx1"/>
               </a:solidFill>
               <a:round/>
-              <a:headEnd/>
-              <a:tailEnd/>
             </a:ln>
             <a:extLst>
               <a:ext uri="{909E8E84-426E-40DD-AFC4-6F175D3DCCD1}">
@@ -26049,8 +25751,6 @@
                 <a:schemeClr val="tx1"/>
               </a:solidFill>
               <a:round/>
-              <a:headEnd/>
-              <a:tailEnd/>
             </a:ln>
             <a:extLst>
               <a:ext uri="{909E8E84-426E-40DD-AFC4-6F175D3DCCD1}">
@@ -26090,8 +25790,6 @@
                 <a:schemeClr val="tx1"/>
               </a:solidFill>
               <a:round/>
-              <a:headEnd/>
-              <a:tailEnd/>
             </a:ln>
             <a:extLst>
               <a:ext uri="{909E8E84-426E-40DD-AFC4-6F175D3DCCD1}">
@@ -26131,8 +25829,6 @@
                 <a:schemeClr val="tx1"/>
               </a:solidFill>
               <a:round/>
-              <a:headEnd/>
-              <a:tailEnd/>
             </a:ln>
             <a:extLst>
               <a:ext uri="{909E8E84-426E-40DD-AFC4-6F175D3DCCD1}">
@@ -26154,9 +25850,7 @@
       <p:grpSp>
         <p:nvGrpSpPr>
           <p:cNvPr id="119813" name="Group 19"/>
-          <p:cNvGrpSpPr>
-            <a:grpSpLocks/>
-          </p:cNvGrpSpPr>
+          <p:cNvGrpSpPr/>
           <p:nvPr/>
         </p:nvGrpSpPr>
         <p:grpSpPr bwMode="auto">
@@ -26191,8 +25885,6 @@
                 <a:schemeClr val="tx1"/>
               </a:solidFill>
               <a:miter lim="800000"/>
-              <a:headEnd/>
-              <a:tailEnd/>
             </a:ln>
             <a:effectLst>
               <a:outerShdw dist="107763" dir="2700000" algn="ctr" rotWithShape="0">
@@ -26531,6 +26223,9 @@
                 </a:rPr>
                 <a:t>(A   B)     (C)        (D   E)</a:t>
               </a:r>
+              <a:endParaRPr lang="en-US" sz="2800">
+                <a:latin typeface="Times New Roman" panose="02020603050405020304" pitchFamily="18" charset="0"/>
+              </a:endParaRPr>
             </a:p>
           </p:txBody>
         </p:sp>
@@ -26557,7 +26252,6 @@
               <a:schemeClr val="tx1"/>
             </a:solidFill>
             <a:round/>
-            <a:headEnd/>
             <a:tailEnd type="stealth" w="med" len="med"/>
           </a:ln>
           <a:extLst>
@@ -26756,14 +26450,6 @@
                 </a:solidFill>
                 <a:latin typeface="Arial" panose="020B0604020202020204" pitchFamily="34" charset="0"/>
               </a:rPr>
-              <a:pPr>
-                <a:spcBef>
-                  <a:spcPct val="0"/>
-                </a:spcBef>
-                <a:buFontTx/>
-                <a:buNone/>
-              </a:pPr>
-              <a:t>23</a:t>
             </a:fld>
             <a:endParaRPr lang="en-US" sz="1200">
               <a:solidFill>
@@ -26775,11 +26461,6 @@
         </p:txBody>
       </p:sp>
     </p:spTree>
-    <p:extLst>
-      <p:ext uri="{BB962C8B-B14F-4D97-AF65-F5344CB8AC3E}">
-        <p14:creationId xmlns:p14="http://schemas.microsoft.com/office/powerpoint/2010/main" val="2377289607"/>
-      </p:ext>
-    </p:extLst>
   </p:cSld>
   <p:clrMapOvr>
     <a:masterClrMapping/>
@@ -26831,6 +26512,7 @@
               <a:rPr lang="en-US" b="1" smtClean="0"/>
               <a:t>Regression</a:t>
             </a:r>
+            <a:endParaRPr lang="en-US" b="1" smtClean="0"/>
           </a:p>
         </p:txBody>
       </p:sp>
@@ -26859,6 +26541,7 @@
               <a:rPr lang="en-US" sz="2400"/>
               <a:t>Predict a value of a given continuous valued variable based on the values of other variables, assuming a linear or nonlinear model of dependency.</a:t>
             </a:r>
+            <a:endParaRPr lang="en-US" sz="2400"/>
           </a:p>
           <a:p>
             <a:pPr algn="just" eaLnBrk="1" hangingPunct="1"/>
@@ -26866,6 +26549,7 @@
               <a:rPr lang="en-US" sz="2400"/>
               <a:t>Greatly studied in statistics, neural network fields.</a:t>
             </a:r>
+            <a:endParaRPr lang="en-US" sz="2400"/>
           </a:p>
           <a:p>
             <a:pPr algn="just" eaLnBrk="1" hangingPunct="1"/>
@@ -26873,6 +26557,7 @@
               <a:rPr lang="en-US" sz="2400"/>
               <a:t>Examples:</a:t>
             </a:r>
+            <a:endParaRPr lang="en-US" sz="2400"/>
           </a:p>
           <a:p>
             <a:pPr lvl="1" algn="just" eaLnBrk="1" hangingPunct="1"/>
@@ -26880,6 +26565,7 @@
               <a:rPr lang="en-US"/>
               <a:t>Predicting sales amounts of new product based on advertising expenditure.</a:t>
             </a:r>
+            <a:endParaRPr lang="en-US"/>
           </a:p>
           <a:p>
             <a:pPr lvl="1" algn="just" eaLnBrk="1" hangingPunct="1"/>
@@ -26887,6 +26573,7 @@
               <a:rPr lang="en-US"/>
               <a:t>Predicting wind velocities as a function of temperature, humidity, air pressure, etc.</a:t>
             </a:r>
+            <a:endParaRPr lang="en-US"/>
           </a:p>
           <a:p>
             <a:pPr lvl="1" algn="just" eaLnBrk="1" hangingPunct="1"/>
@@ -27078,14 +26765,6 @@
                 </a:solidFill>
                 <a:latin typeface="Arial" panose="020B0604020202020204" pitchFamily="34" charset="0"/>
               </a:rPr>
-              <a:pPr>
-                <a:spcBef>
-                  <a:spcPct val="0"/>
-                </a:spcBef>
-                <a:buFontTx/>
-                <a:buNone/>
-              </a:pPr>
-              <a:t>24</a:t>
             </a:fld>
             <a:endParaRPr lang="en-US" sz="1200">
               <a:solidFill>
@@ -27097,11 +26776,6 @@
         </p:txBody>
       </p:sp>
     </p:spTree>
-    <p:extLst>
-      <p:ext uri="{BB962C8B-B14F-4D97-AF65-F5344CB8AC3E}">
-        <p14:creationId xmlns:p14="http://schemas.microsoft.com/office/powerpoint/2010/main" val="2448631351"/>
-      </p:ext>
-    </p:extLst>
   </p:cSld>
   <p:clrMapOvr>
     <a:masterClrMapping/>
@@ -27162,6 +26836,7 @@
               <a:rPr lang="en-US" b="1" dirty="0" smtClean="0"/>
               <a:t>Deviation/Anomaly Detection</a:t>
             </a:r>
+            <a:endParaRPr lang="en-US" b="1" dirty="0" smtClean="0"/>
           </a:p>
         </p:txBody>
       </p:sp>
@@ -27190,6 +26865,7 @@
               <a:rPr lang="en-US" sz="2400"/>
               <a:t>Detect significant deviations from normal behavior</a:t>
             </a:r>
+            <a:endParaRPr lang="en-US" sz="2400"/>
           </a:p>
           <a:p>
             <a:pPr eaLnBrk="1" hangingPunct="1"/>
@@ -27201,6 +26877,7 @@
               <a:rPr lang="en-US" sz="2400"/>
               <a:t>Applications:</a:t>
             </a:r>
+            <a:endParaRPr lang="en-US" sz="2400"/>
           </a:p>
           <a:p>
             <a:pPr lvl="1" eaLnBrk="1" hangingPunct="1"/>
@@ -27208,6 +26885,7 @@
               <a:rPr lang="en-US"/>
               <a:t>Credit Card Fraud Detection</a:t>
             </a:r>
+            <a:endParaRPr lang="en-US"/>
           </a:p>
           <a:p>
             <a:pPr lvl="1" eaLnBrk="1" hangingPunct="1"/>
@@ -27222,6 +26900,7 @@
               <a:rPr lang="en-US"/>
               <a:t>Detection</a:t>
             </a:r>
+            <a:endParaRPr lang="en-US"/>
           </a:p>
           <a:p>
             <a:pPr lvl="1" eaLnBrk="1" hangingPunct="1"/>
@@ -27238,7 +26917,7 @@
           <p:nvPr/>
         </p:nvPicPr>
         <p:blipFill>
-          <a:blip r:embed="rId3">
+          <a:blip r:embed="rId1">
             <a:extLst>
               <a:ext uri="{28A0092B-C50C-407E-A947-70E740481C1C}">
                 <a14:useLocalDpi xmlns:a14="http://schemas.microsoft.com/office/drawing/2010/main" val="0"/>
@@ -27292,7 +26971,7 @@
           <p:nvPr/>
         </p:nvPicPr>
         <p:blipFill>
-          <a:blip r:embed="rId4">
+          <a:blip r:embed="rId2">
             <a:extLst>
               <a:ext uri="{28A0092B-C50C-407E-A947-70E740481C1C}">
                 <a14:useLocalDpi xmlns:a14="http://schemas.microsoft.com/office/drawing/2010/main" val="0"/>
@@ -27718,14 +27397,6 @@
                 </a:solidFill>
                 <a:latin typeface="Arial" panose="020B0604020202020204" pitchFamily="34" charset="0"/>
               </a:rPr>
-              <a:pPr>
-                <a:spcBef>
-                  <a:spcPct val="0"/>
-                </a:spcBef>
-                <a:buFontTx/>
-                <a:buNone/>
-              </a:pPr>
-              <a:t>25</a:t>
             </a:fld>
             <a:endParaRPr lang="en-US" sz="1200">
               <a:solidFill>
@@ -27737,11 +27408,6 @@
         </p:txBody>
       </p:sp>
     </p:spTree>
-    <p:extLst>
-      <p:ext uri="{BB962C8B-B14F-4D97-AF65-F5344CB8AC3E}">
-        <p14:creationId xmlns:p14="http://schemas.microsoft.com/office/powerpoint/2010/main" val="2710232755"/>
-      </p:ext>
-    </p:extLst>
   </p:cSld>
   <p:clrMapOvr>
     <a:masterClrMapping/>
@@ -27793,6 +27459,7 @@
               <a:rPr lang="en-US" b="1" smtClean="0"/>
               <a:t>Outlier Analysis</a:t>
             </a:r>
+            <a:endParaRPr lang="en-US" b="1" smtClean="0"/>
           </a:p>
         </p:txBody>
       </p:sp>
@@ -27818,6 +27485,7 @@
               <a:rPr lang="en-US" sz="2400" dirty="0"/>
               <a:t>A database may contain data objects that do not comply with the general behavior or model of the data. </a:t>
             </a:r>
+            <a:endParaRPr lang="en-US" sz="2400" dirty="0"/>
           </a:p>
           <a:p>
             <a:pPr eaLnBrk="1" hangingPunct="1">
@@ -27827,6 +27495,7 @@
               <a:rPr lang="en-US" sz="2400" dirty="0"/>
               <a:t>These data objects are outliers. </a:t>
             </a:r>
+            <a:endParaRPr lang="en-US" sz="2400" dirty="0"/>
           </a:p>
           <a:p>
             <a:pPr marL="0" indent="0">
@@ -27837,6 +27506,7 @@
               <a:rPr lang="en-US" sz="2400" dirty="0"/>
               <a:t>	</a:t>
             </a:r>
+            <a:endParaRPr lang="en-US" sz="2400" dirty="0"/>
           </a:p>
           <a:p>
             <a:pPr marL="0" indent="0">
@@ -27847,6 +27517,7 @@
               <a:rPr lang="en-US" sz="2400" dirty="0"/>
               <a:t>	Example: fraudulent usage of credit cards</a:t>
             </a:r>
+            <a:endParaRPr lang="en-US" sz="2400" dirty="0"/>
           </a:p>
         </p:txBody>
       </p:sp>
@@ -28030,14 +27701,6 @@
                 </a:solidFill>
                 <a:latin typeface="Arial" panose="020B0604020202020204" pitchFamily="34" charset="0"/>
               </a:rPr>
-              <a:pPr>
-                <a:spcBef>
-                  <a:spcPct val="0"/>
-                </a:spcBef>
-                <a:buFontTx/>
-                <a:buNone/>
-              </a:pPr>
-              <a:t>26</a:t>
             </a:fld>
             <a:endParaRPr lang="en-US" sz="1200">
               <a:solidFill>
@@ -28049,11 +27712,6 @@
         </p:txBody>
       </p:sp>
     </p:spTree>
-    <p:extLst>
-      <p:ext uri="{BB962C8B-B14F-4D97-AF65-F5344CB8AC3E}">
-        <p14:creationId xmlns:p14="http://schemas.microsoft.com/office/powerpoint/2010/main" val="971022385"/>
-      </p:ext>
-    </p:extLst>
   </p:cSld>
   <p:clrMapOvr>
     <a:masterClrMapping/>
@@ -28105,6 +27763,7 @@
               <a:rPr lang="en-US" b="1" smtClean="0"/>
               <a:t>Evolution Analysis</a:t>
             </a:r>
+            <a:endParaRPr lang="en-US" b="1" smtClean="0"/>
           </a:p>
         </p:txBody>
       </p:sp>
@@ -28135,6 +27794,7 @@
               <a:rPr lang="en-US" sz="2400" dirty="0"/>
               <a:t>Data evolution analysis describes and models regularities or trends for objects whose behavior changes over time. </a:t>
             </a:r>
+            <a:endParaRPr lang="en-US" sz="2400" dirty="0"/>
           </a:p>
           <a:p>
             <a:pPr marL="0" indent="0" algn="just">
@@ -28145,6 +27805,7 @@
               <a:rPr lang="en-US" sz="2400" dirty="0"/>
               <a:t>	Example: stock market (time-series) data</a:t>
             </a:r>
+            <a:endParaRPr lang="en-US" sz="2400" dirty="0"/>
           </a:p>
         </p:txBody>
       </p:sp>
@@ -28328,14 +27989,6 @@
                 </a:solidFill>
                 <a:latin typeface="Arial" panose="020B0604020202020204" pitchFamily="34" charset="0"/>
               </a:rPr>
-              <a:pPr>
-                <a:spcBef>
-                  <a:spcPct val="0"/>
-                </a:spcBef>
-                <a:buFontTx/>
-                <a:buNone/>
-              </a:pPr>
-              <a:t>27</a:t>
             </a:fld>
             <a:endParaRPr lang="en-US" sz="1200">
               <a:solidFill>
@@ -28347,11 +28000,6 @@
         </p:txBody>
       </p:sp>
     </p:spTree>
-    <p:extLst>
-      <p:ext uri="{BB962C8B-B14F-4D97-AF65-F5344CB8AC3E}">
-        <p14:creationId xmlns:p14="http://schemas.microsoft.com/office/powerpoint/2010/main" val="1552328010"/>
-      </p:ext>
-    </p:extLst>
   </p:cSld>
   <p:clrMapOvr>
     <a:masterClrMapping/>
@@ -28408,6 +28056,7 @@
               <a:rPr lang="en-US" b="1" smtClean="0"/>
               <a:t>Architecture of Data Mining System</a:t>
             </a:r>
+            <a:endParaRPr lang="en-US" b="1" smtClean="0"/>
           </a:p>
         </p:txBody>
       </p:sp>
@@ -28422,7 +28071,7 @@
           </p:nvPr>
         </p:nvPicPr>
         <p:blipFill>
-          <a:blip r:embed="rId2">
+          <a:blip r:embed="rId1">
             <a:extLst>
               <a:ext uri="{28A0092B-C50C-407E-A947-70E740481C1C}">
                 <a14:useLocalDpi xmlns:a14="http://schemas.microsoft.com/office/drawing/2010/main" val="0"/>
@@ -28621,14 +28270,6 @@
                 </a:solidFill>
                 <a:latin typeface="Arial" panose="020B0604020202020204" pitchFamily="34" charset="0"/>
               </a:rPr>
-              <a:pPr>
-                <a:spcBef>
-                  <a:spcPct val="0"/>
-                </a:spcBef>
-                <a:buFontTx/>
-                <a:buNone/>
-              </a:pPr>
-              <a:t>28</a:t>
             </a:fld>
             <a:endParaRPr lang="en-US" sz="1200">
               <a:solidFill>
@@ -28640,11 +28281,6 @@
         </p:txBody>
       </p:sp>
     </p:spTree>
-    <p:extLst>
-      <p:ext uri="{BB962C8B-B14F-4D97-AF65-F5344CB8AC3E}">
-        <p14:creationId xmlns:p14="http://schemas.microsoft.com/office/powerpoint/2010/main" val="2028254117"/>
-      </p:ext>
-    </p:extLst>
   </p:cSld>
   <p:clrMapOvr>
     <a:masterClrMapping/>
@@ -28696,10 +28332,6 @@
             <a:pPr eaLnBrk="1" hangingPunct="1">
               <a:defRPr/>
             </a:pPr>
-            <a:r>
-              <a:rPr lang="en-US" b="1" dirty="0" smtClean="0"/>
-              <a:t/>
-            </a:r>
             <a:br>
               <a:rPr lang="en-US" b="1" dirty="0" smtClean="0"/>
             </a:br>
@@ -28743,6 +28375,7 @@
               <a:rPr lang="en-US" sz="2400" dirty="0"/>
               <a:t>Target marketing, customer relation management, market basket analysis, cross selling, market segmentation, Find clusters of customers who share the same characteristics: interest, income level, spending habits, etc. Determine customer purchasing patterns over time</a:t>
             </a:r>
+            <a:endParaRPr lang="en-US" sz="2400" dirty="0"/>
           </a:p>
           <a:p>
             <a:pPr marL="0" indent="0" algn="just">
@@ -28767,6 +28400,7 @@
               <a:rPr lang="en-US" sz="2400" dirty="0"/>
               <a:t>Forecasting, customer retention, improved underwriting, quality control, competitive analysis, credit scoring.</a:t>
             </a:r>
+            <a:endParaRPr lang="en-US" sz="2400" dirty="0"/>
           </a:p>
           <a:p>
             <a:pPr eaLnBrk="1" hangingPunct="1">
@@ -28956,14 +28590,6 @@
                 </a:solidFill>
                 <a:latin typeface="Arial" panose="020B0604020202020204" pitchFamily="34" charset="0"/>
               </a:rPr>
-              <a:pPr>
-                <a:spcBef>
-                  <a:spcPct val="0"/>
-                </a:spcBef>
-                <a:buFontTx/>
-                <a:buNone/>
-              </a:pPr>
-              <a:t>29</a:t>
             </a:fld>
             <a:endParaRPr lang="en-US" sz="1200">
               <a:solidFill>
@@ -28975,11 +28601,6 @@
         </p:txBody>
       </p:sp>
     </p:spTree>
-    <p:extLst>
-      <p:ext uri="{BB962C8B-B14F-4D97-AF65-F5344CB8AC3E}">
-        <p14:creationId xmlns:p14="http://schemas.microsoft.com/office/powerpoint/2010/main" val="1602535334"/>
-      </p:ext>
-    </p:extLst>
   </p:cSld>
   <p:clrMapOvr>
     <a:masterClrMapping/>
@@ -29033,6 +28654,7 @@
               <a:rPr lang="en-US" b="1" dirty="0" smtClean="0"/>
               <a:t>What is (not) Data Mining?</a:t>
             </a:r>
+            <a:endParaRPr lang="en-US" b="1" dirty="0" smtClean="0"/>
           </a:p>
         </p:txBody>
       </p:sp>
@@ -29058,8 +28680,6 @@
               <a:schemeClr val="tx1"/>
             </a:solidFill>
             <a:miter lim="800000"/>
-            <a:headEnd/>
-            <a:tailEnd/>
           </a:ln>
           <a:extLst>
             <a:ext uri="{909E8E84-426E-40DD-AFC4-6F175D3DCCD1}">
@@ -29262,6 +28882,9 @@
               </a:rPr>
               <a:t> </a:t>
             </a:r>
+            <a:endParaRPr lang="en-US" sz="2400" dirty="0">
+              <a:latin typeface="Arial" panose="020B0604020202020204" pitchFamily="34" charset="0"/>
+            </a:endParaRPr>
           </a:p>
           <a:p>
             <a:pPr lvl="1">
@@ -29293,6 +28916,9 @@
               </a:rPr>
               <a:t>]</a:t>
             </a:r>
+            <a:endParaRPr lang="en-US" sz="2400" dirty="0">
+              <a:latin typeface="Arial" panose="020B0604020202020204" pitchFamily="34" charset="0"/>
+            </a:endParaRPr>
           </a:p>
           <a:p>
             <a:pPr lvl="1">
@@ -29346,8 +28972,6 @@
               <a:schemeClr val="tx1"/>
             </a:solidFill>
             <a:miter lim="800000"/>
-            <a:headEnd/>
-            <a:tailEnd/>
           </a:ln>
           <a:extLst>
             <a:ext uri="{909E8E84-426E-40DD-AFC4-6F175D3DCCD1}">
@@ -29552,6 +29176,9 @@
               </a:rPr>
               <a:t> Look up phone number in phone directory</a:t>
             </a:r>
+            <a:endParaRPr lang="en-US" sz="2400" dirty="0">
+              <a:latin typeface="Arial" panose="020B0604020202020204" pitchFamily="34" charset="0"/>
+            </a:endParaRPr>
           </a:p>
           <a:p>
             <a:pPr lvl="1">
@@ -29572,6 +29199,9 @@
               </a:rPr>
               <a:t> </a:t>
             </a:r>
+            <a:endParaRPr lang="en-US" sz="2400" dirty="0">
+              <a:latin typeface="Arial" panose="020B0604020202020204" pitchFamily="34" charset="0"/>
+            </a:endParaRPr>
           </a:p>
           <a:p>
             <a:pPr lvl="1">
@@ -29594,6 +29224,9 @@
               </a:rPr>
               <a:t> Query a Web search engine for information about “Amazon”</a:t>
             </a:r>
+            <a:endParaRPr lang="en-US" sz="2400" dirty="0">
+              <a:latin typeface="Arial" panose="020B0604020202020204" pitchFamily="34" charset="0"/>
+            </a:endParaRPr>
           </a:p>
           <a:p>
             <a:pPr>
@@ -29789,14 +29422,6 @@
                 </a:solidFill>
                 <a:latin typeface="Arial" panose="020B0604020202020204" pitchFamily="34" charset="0"/>
               </a:rPr>
-              <a:pPr>
-                <a:spcBef>
-                  <a:spcPct val="0"/>
-                </a:spcBef>
-                <a:buFontTx/>
-                <a:buNone/>
-              </a:pPr>
-              <a:t>3</a:t>
             </a:fld>
             <a:endParaRPr lang="en-US" sz="1200">
               <a:solidFill>
@@ -29808,11 +29433,6 @@
         </p:txBody>
       </p:sp>
     </p:spTree>
-    <p:extLst>
-      <p:ext uri="{BB962C8B-B14F-4D97-AF65-F5344CB8AC3E}">
-        <p14:creationId xmlns:p14="http://schemas.microsoft.com/office/powerpoint/2010/main" val="4157801704"/>
-      </p:ext>
-    </p:extLst>
   </p:cSld>
   <p:clrMapOvr>
     <a:masterClrMapping/>
@@ -29889,6 +29509,7 @@
               <a:rPr lang="en-US" sz="2400" dirty="0"/>
               <a:t>Surf-Aid applies data mining algorithms to Web access logs for market-related pages to discover customer preference and behavior pages, analyzing effectiveness of Web marketing, improving Web site organization.</a:t>
             </a:r>
+            <a:endParaRPr lang="en-US" sz="2400" dirty="0"/>
           </a:p>
           <a:p>
             <a:pPr marL="0" indent="0" algn="just">
@@ -29913,6 +29534,7 @@
               <a:rPr lang="en-US" sz="2400" dirty="0"/>
               <a:t> User-centric applications like blogs, wikis and Web communities generate a lot of structured and semi-structured information where data mining can be used to explain and predict the evolution of social networks, personalized search for social interaction, user behavior prediction etc.</a:t>
             </a:r>
+            <a:endParaRPr lang="en-US" sz="2400" dirty="0"/>
           </a:p>
           <a:p>
             <a:pPr eaLnBrk="1" hangingPunct="1">
@@ -29947,10 +29569,6 @@
             <a:pPr eaLnBrk="1" hangingPunct="1">
               <a:defRPr/>
             </a:pPr>
-            <a:r>
-              <a:rPr lang="en-US" b="1" dirty="0" smtClean="0"/>
-              <a:t/>
-            </a:r>
             <a:br>
               <a:rPr lang="en-US" b="1" dirty="0" smtClean="0"/>
             </a:br>
@@ -30142,14 +29760,6 @@
                 </a:solidFill>
                 <a:latin typeface="Arial" panose="020B0604020202020204" pitchFamily="34" charset="0"/>
               </a:rPr>
-              <a:pPr>
-                <a:spcBef>
-                  <a:spcPct val="0"/>
-                </a:spcBef>
-                <a:buFontTx/>
-                <a:buNone/>
-              </a:pPr>
-              <a:t>30</a:t>
             </a:fld>
             <a:endParaRPr lang="en-US" sz="1200">
               <a:solidFill>
@@ -30161,11 +29771,6 @@
         </p:txBody>
       </p:sp>
     </p:spTree>
-    <p:extLst>
-      <p:ext uri="{BB962C8B-B14F-4D97-AF65-F5344CB8AC3E}">
-        <p14:creationId xmlns:p14="http://schemas.microsoft.com/office/powerpoint/2010/main" val="319302568"/>
-      </p:ext>
-    </p:extLst>
   </p:cSld>
   <p:clrMapOvr>
     <a:masterClrMapping/>
@@ -30223,6 +29828,7 @@
               <a:rPr lang="en-US" sz="2400"/>
               <a:t>Use historical data to build models of fraudulent behavior and use data mining to help identify similar instances. For example, detect suspicious money transactions. </a:t>
             </a:r>
+            <a:endParaRPr lang="en-US" sz="2400"/>
           </a:p>
           <a:p>
             <a:pPr algn="just" eaLnBrk="1" hangingPunct="1"/>
@@ -30242,6 +29848,7 @@
               <a:rPr lang="en-US" sz="2400"/>
               <a:t> Data mining can be used to analyze shots &amp; fouls of different athletes, their weaknesses and helps athletes to assist in improving their games.</a:t>
             </a:r>
+            <a:endParaRPr lang="en-US" sz="2400"/>
           </a:p>
           <a:p>
             <a:pPr algn="just" eaLnBrk="1" hangingPunct="1"/>
@@ -30269,6 +29876,7 @@
               <a:rPr lang="en-US" sz="2400"/>
               <a:t>Data mining can be used to automate the analysis image data collected from sky survey with better accuracy.</a:t>
             </a:r>
+            <a:endParaRPr lang="en-US" sz="2400"/>
           </a:p>
           <a:p>
             <a:pPr eaLnBrk="1" hangingPunct="1"/>
@@ -30301,10 +29909,6 @@
             <a:pPr eaLnBrk="1" hangingPunct="1">
               <a:defRPr/>
             </a:pPr>
-            <a:r>
-              <a:rPr lang="en-US" b="1" dirty="0" smtClean="0"/>
-              <a:t/>
-            </a:r>
             <a:br>
               <a:rPr lang="en-US" b="1" dirty="0" smtClean="0"/>
             </a:br>
@@ -30496,14 +30100,6 @@
                 </a:solidFill>
                 <a:latin typeface="Arial" panose="020B0604020202020204" pitchFamily="34" charset="0"/>
               </a:rPr>
-              <a:pPr>
-                <a:spcBef>
-                  <a:spcPct val="0"/>
-                </a:spcBef>
-                <a:buFontTx/>
-                <a:buNone/>
-              </a:pPr>
-              <a:t>31</a:t>
             </a:fld>
             <a:endParaRPr lang="en-US" sz="1200">
               <a:solidFill>
@@ -30515,11 +30111,6 @@
         </p:txBody>
       </p:sp>
     </p:spTree>
-    <p:extLst>
-      <p:ext uri="{BB962C8B-B14F-4D97-AF65-F5344CB8AC3E}">
-        <p14:creationId xmlns:p14="http://schemas.microsoft.com/office/powerpoint/2010/main" val="2399302334"/>
-      </p:ext>
-    </p:extLst>
   </p:cSld>
   <p:clrMapOvr>
     <a:masterClrMapping/>
@@ -30573,6 +30164,7 @@
               <a:rPr lang="en-US" b="1" dirty="0" smtClean="0"/>
               <a:t>Why Mine Data? Commercial Viewpoint</a:t>
             </a:r>
+            <a:endParaRPr lang="en-US" b="1" dirty="0" smtClean="0"/>
           </a:p>
         </p:txBody>
       </p:sp>
@@ -30603,6 +30195,7 @@
               <a:rPr lang="en-US" sz="2400" dirty="0"/>
               <a:t>Lots of data is being collected and warehoused </a:t>
             </a:r>
+            <a:endParaRPr lang="en-US" sz="2400" dirty="0"/>
           </a:p>
           <a:p>
             <a:pPr algn="just" eaLnBrk="1" hangingPunct="1">
@@ -30614,7 +30207,7 @@
           </a:p>
           <a:p>
             <a:pPr lvl="1" algn="just" eaLnBrk="1" hangingPunct="1">
-              <a:buFont typeface="Arial" charset="0"/>
+              <a:buFont typeface="Arial" panose="020B0604020202020204" pitchFamily="34" charset="0"/>
               <a:buChar char="–"/>
               <a:defRPr/>
             </a:pPr>
@@ -30622,10 +30215,11 @@
               <a:rPr lang="en-US" dirty="0"/>
               <a:t>Web data, e-commerce</a:t>
             </a:r>
+            <a:endParaRPr lang="en-US" dirty="0"/>
           </a:p>
           <a:p>
             <a:pPr lvl="1" algn="just" eaLnBrk="1" hangingPunct="1">
-              <a:buFont typeface="Arial" charset="0"/>
+              <a:buFont typeface="Arial" panose="020B0604020202020204" pitchFamily="34" charset="0"/>
               <a:buChar char="–"/>
               <a:defRPr/>
             </a:pPr>
@@ -30633,10 +30227,11 @@
               <a:rPr lang="en-US" dirty="0"/>
               <a:t>purchases at department/ grocery stores</a:t>
             </a:r>
+            <a:endParaRPr lang="en-US" dirty="0"/>
           </a:p>
           <a:p>
             <a:pPr lvl="1" algn="just" eaLnBrk="1" hangingPunct="1">
-              <a:buFont typeface="Arial" charset="0"/>
+              <a:buFont typeface="Arial" panose="020B0604020202020204" pitchFamily="34" charset="0"/>
               <a:buChar char="–"/>
               <a:defRPr/>
             </a:pPr>
@@ -30644,17 +30239,18 @@
               <a:rPr lang="en-US" dirty="0"/>
               <a:t>Bank/Credit Card transactions</a:t>
             </a:r>
+            <a:endParaRPr lang="en-US" dirty="0"/>
           </a:p>
           <a:p>
             <a:pPr lvl="1" algn="just" eaLnBrk="1" hangingPunct="1">
-              <a:buFont typeface="Arial" charset="0"/>
+              <a:buFont typeface="Arial" panose="020B0604020202020204" pitchFamily="34" charset="0"/>
               <a:buNone/>
               <a:defRPr/>
             </a:pPr>
             <a:endParaRPr lang="en-US" dirty="0"/>
           </a:p>
           <a:p>
-            <a:pPr marL="284163" indent="-284163" algn="just">
+            <a:pPr marL="284480" indent="-284480" algn="just">
               <a:defRPr/>
             </a:pPr>
             <a:r>
@@ -30668,28 +30264,31 @@
               <a:rPr lang="en-US" sz="2400" dirty="0"/>
               <a:t>not readily evident</a:t>
             </a:r>
-          </a:p>
-          <a:p>
-            <a:pPr marL="284163" indent="-284163" algn="just">
+            <a:endParaRPr lang="en-US" sz="2400" dirty="0"/>
+          </a:p>
+          <a:p>
+            <a:pPr marL="284480" indent="-284480" algn="just">
               <a:defRPr/>
             </a:pPr>
             <a:r>
               <a:rPr lang="en-US" sz="2400" dirty="0"/>
               <a:t>Human analysts may take weeks to discover useful information</a:t>
             </a:r>
-          </a:p>
-          <a:p>
-            <a:pPr marL="284163" indent="-284163" algn="just">
+            <a:endParaRPr lang="en-US" sz="2400" dirty="0"/>
+          </a:p>
+          <a:p>
+            <a:pPr marL="284480" indent="-284480" algn="just">
               <a:defRPr/>
             </a:pPr>
             <a:r>
               <a:rPr lang="en-US" sz="2400" dirty="0"/>
               <a:t>Much of the data is never analyzed at all</a:t>
             </a:r>
+            <a:endParaRPr lang="en-US" sz="2400" dirty="0"/>
           </a:p>
           <a:p>
             <a:pPr lvl="1" eaLnBrk="1" hangingPunct="1">
-              <a:buFont typeface="Arial" charset="0"/>
+              <a:buFont typeface="Arial" panose="020B0604020202020204" pitchFamily="34" charset="0"/>
               <a:buNone/>
               <a:defRPr/>
             </a:pPr>
@@ -30877,14 +30476,6 @@
                 </a:solidFill>
                 <a:latin typeface="Arial" panose="020B0604020202020204" pitchFamily="34" charset="0"/>
               </a:rPr>
-              <a:pPr>
-                <a:spcBef>
-                  <a:spcPct val="0"/>
-                </a:spcBef>
-                <a:buFontTx/>
-                <a:buNone/>
-              </a:pPr>
-              <a:t>4</a:t>
             </a:fld>
             <a:endParaRPr lang="en-US" sz="1200">
               <a:solidFill>
@@ -30896,11 +30487,6 @@
         </p:txBody>
       </p:sp>
     </p:spTree>
-    <p:extLst>
-      <p:ext uri="{BB962C8B-B14F-4D97-AF65-F5344CB8AC3E}">
-        <p14:creationId xmlns:p14="http://schemas.microsoft.com/office/powerpoint/2010/main" val="2046191634"/>
-      </p:ext>
-    </p:extLst>
   </p:cSld>
   <p:clrMapOvr>
     <a:masterClrMapping/>
@@ -30959,6 +30545,7 @@
               <a:rPr lang="en-US" b="1" smtClean="0"/>
               <a:t>Why Mine Data? Scientific Viewpoint</a:t>
             </a:r>
+            <a:endParaRPr lang="en-US" b="1" smtClean="0"/>
           </a:p>
         </p:txBody>
       </p:sp>
@@ -30995,6 +30582,7 @@
               <a:rPr lang="en-US" sz="2400"/>
               <a:t>Data collected and stored at enormous speeds (GB/hour)</a:t>
             </a:r>
+            <a:endParaRPr lang="en-US" sz="2400"/>
           </a:p>
           <a:p>
             <a:pPr algn="just" eaLnBrk="1" hangingPunct="1">
@@ -31006,6 +30594,7 @@
               <a:rPr lang="en-US" sz="2400"/>
               <a:t>Traditional techniques infeasible for raw data</a:t>
             </a:r>
+            <a:endParaRPr lang="en-US" sz="2400"/>
           </a:p>
           <a:p>
             <a:pPr algn="just" eaLnBrk="1" hangingPunct="1"/>
@@ -31013,6 +30602,7 @@
               <a:rPr lang="en-US" sz="2400"/>
               <a:t>Data mining may help scientists </a:t>
             </a:r>
+            <a:endParaRPr lang="en-US" sz="2400"/>
           </a:p>
           <a:p>
             <a:pPr lvl="1" algn="just" eaLnBrk="1" hangingPunct="1"/>
@@ -31020,6 +30610,7 @@
               <a:rPr lang="en-US"/>
               <a:t>in classifying and segmenting data</a:t>
             </a:r>
+            <a:endParaRPr lang="en-US"/>
           </a:p>
           <a:p>
             <a:pPr lvl="1" algn="just" eaLnBrk="1" hangingPunct="1"/>
@@ -31047,23 +30638,23 @@
           <a:graphicData uri="http://schemas.openxmlformats.org/presentationml/2006/ole">
             <mc:AlternateContent xmlns:mc="http://schemas.openxmlformats.org/markup-compatibility/2006">
               <mc:Choice xmlns:v="urn:schemas-microsoft-com:vml" Requires="v">
-                <p:oleObj spid="_x0000_s1031" name="VISIO" r:id="rId4" imgW="2557272" imgH="1991868" progId="Visio.Drawing.6">
+                <p:oleObj spid="_x0000_s1031" name="VISIO" r:id="rId1" imgW="2557145" imgH="1991995" progId="Visio.Drawing.6">
                   <p:embed/>
                 </p:oleObj>
               </mc:Choice>
               <mc:Fallback>
-                <p:oleObj name="VISIO" r:id="rId4" imgW="2557272" imgH="1991868" progId="Visio.Drawing.6">
+                <p:oleObj name="VISIO" r:id="rId1" imgW="2557145" imgH="1991995" progId="Visio.Drawing.6">
                   <p:embed/>
                   <p:pic>
                     <p:nvPicPr>
-                      <p:cNvPr id="0" name=""/>
+                      <p:cNvPr id="0" name="Picture 1030"/>
                       <p:cNvPicPr>
                         <a:picLocks noChangeAspect="1" noChangeArrowheads="1"/>
                       </p:cNvPicPr>
                       <p:nvPr/>
                     </p:nvPicPr>
                     <p:blipFill>
-                      <a:blip r:embed="rId5">
+                      <a:blip r:embed="rId2">
                         <a:extLst>
                           <a:ext uri="{28A0092B-C50C-407E-A947-70E740481C1C}">
                             <a14:useLocalDpi xmlns:a14="http://schemas.microsoft.com/office/drawing/2010/main" val="0"/>
@@ -31304,14 +30895,6 @@
                 </a:solidFill>
                 <a:latin typeface="Arial" panose="020B0604020202020204" pitchFamily="34" charset="0"/>
               </a:rPr>
-              <a:pPr>
-                <a:spcBef>
-                  <a:spcPct val="0"/>
-                </a:spcBef>
-                <a:buFontTx/>
-                <a:buNone/>
-              </a:pPr>
-              <a:t>5</a:t>
             </a:fld>
             <a:endParaRPr lang="en-US" sz="1200">
               <a:solidFill>
@@ -31323,11 +30906,6 @@
         </p:txBody>
       </p:sp>
     </p:spTree>
-    <p:extLst>
-      <p:ext uri="{BB962C8B-B14F-4D97-AF65-F5344CB8AC3E}">
-        <p14:creationId xmlns:p14="http://schemas.microsoft.com/office/powerpoint/2010/main" val="1236452353"/>
-      </p:ext>
-    </p:extLst>
   </p:cSld>
   <p:clrMapOvr>
     <a:masterClrMapping/>
@@ -31388,6 +30966,7 @@
               <a:rPr lang="en-US" b="1" dirty="0" smtClean="0"/>
               <a:t>Origins of Data Mining</a:t>
             </a:r>
+            <a:endParaRPr lang="en-US" b="1" dirty="0" smtClean="0"/>
           </a:p>
         </p:txBody>
       </p:sp>
@@ -31416,6 +30995,7 @@
               <a:rPr lang="en-US" sz="2400" b="1" dirty="0"/>
               <a:t>Draws ideas from machine learning/AI, pattern recognition, statistics, and database systems</a:t>
             </a:r>
+            <a:endParaRPr lang="en-US" sz="2400" b="1" dirty="0"/>
           </a:p>
           <a:p>
             <a:pPr eaLnBrk="1" hangingPunct="1"/>
@@ -31430,6 +31010,7 @@
               <a:rPr lang="en-US" sz="2400" b="1" dirty="0"/>
               <a:t>may be unsuitable due to </a:t>
             </a:r>
+            <a:endParaRPr lang="en-US" sz="2400" b="1" dirty="0"/>
           </a:p>
           <a:p>
             <a:pPr lvl="1" eaLnBrk="1" hangingPunct="1"/>
@@ -31437,6 +31018,7 @@
               <a:rPr lang="en-US" b="1" dirty="0"/>
               <a:t>Enormity of data</a:t>
             </a:r>
+            <a:endParaRPr lang="en-US" b="1" dirty="0"/>
           </a:p>
           <a:p>
             <a:pPr lvl="1" eaLnBrk="1" hangingPunct="1"/>
@@ -31451,6 +31033,7 @@
               <a:rPr lang="en-US" b="1" dirty="0"/>
               <a:t>of data</a:t>
             </a:r>
+            <a:endParaRPr lang="en-US" b="1" dirty="0"/>
           </a:p>
           <a:p>
             <a:pPr lvl="1" eaLnBrk="1" hangingPunct="1"/>
@@ -31476,6 +31059,7 @@
               <a:rPr lang="en-US" b="1" dirty="0" smtClean="0"/>
               <a:t>data</a:t>
             </a:r>
+            <a:endParaRPr lang="en-US" b="1" dirty="0" smtClean="0"/>
           </a:p>
           <a:p>
             <a:pPr lvl="1" eaLnBrk="1" hangingPunct="1"/>
@@ -31483,6 +31067,7 @@
               <a:rPr lang="en-US" b="1" dirty="0" smtClean="0"/>
               <a:t>Velocity (faster generation of </a:t>
             </a:r>
+            <a:endParaRPr lang="en-US" b="1" dirty="0" smtClean="0"/>
           </a:p>
           <a:p>
             <a:pPr marL="457200" lvl="1" indent="0" eaLnBrk="1" hangingPunct="1">
@@ -32210,6 +31795,9 @@
               </a:rPr>
               <a:t>Machine Learning/</a:t>
             </a:r>
+            <a:endParaRPr lang="en-US" sz="1800">
+              <a:latin typeface="Arial" panose="020B0604020202020204" pitchFamily="34" charset="0"/>
+            </a:endParaRPr>
           </a:p>
           <a:p>
             <a:pPr algn="ctr">
@@ -32236,6 +31824,9 @@
               </a:rPr>
               <a:t> Recognition</a:t>
             </a:r>
+            <a:endParaRPr lang="en-US" sz="1800">
+              <a:latin typeface="Arial" panose="020B0604020202020204" pitchFamily="34" charset="0"/>
+            </a:endParaRPr>
           </a:p>
         </p:txBody>
       </p:sp>
@@ -32439,6 +32030,9 @@
               </a:rPr>
               <a:t>AI</a:t>
             </a:r>
+            <a:endParaRPr lang="en-US" sz="1800">
+              <a:latin typeface="Arial" panose="020B0604020202020204" pitchFamily="34" charset="0"/>
+            </a:endParaRPr>
           </a:p>
         </p:txBody>
       </p:sp>
@@ -32617,6 +32211,9 @@
               </a:rPr>
               <a:t>Data Mining</a:t>
             </a:r>
+            <a:endParaRPr lang="en-US" sz="1800">
+              <a:latin typeface="Arial" panose="020B0604020202020204" pitchFamily="34" charset="0"/>
+            </a:endParaRPr>
           </a:p>
         </p:txBody>
       </p:sp>
@@ -32809,6 +32406,9 @@
               </a:rPr>
               <a:t>Database systems</a:t>
             </a:r>
+            <a:endParaRPr lang="en-US" sz="1800">
+              <a:latin typeface="Arial" panose="020B0604020202020204" pitchFamily="34" charset="0"/>
+            </a:endParaRPr>
           </a:p>
         </p:txBody>
       </p:sp>
@@ -32992,14 +32592,6 @@
                 </a:solidFill>
                 <a:latin typeface="Arial" panose="020B0604020202020204" pitchFamily="34" charset="0"/>
               </a:rPr>
-              <a:pPr>
-                <a:spcBef>
-                  <a:spcPct val="0"/>
-                </a:spcBef>
-                <a:buFontTx/>
-                <a:buNone/>
-              </a:pPr>
-              <a:t>6</a:t>
             </a:fld>
             <a:endParaRPr lang="en-US" sz="1200">
               <a:solidFill>
@@ -33011,11 +32603,6 @@
         </p:txBody>
       </p:sp>
     </p:spTree>
-    <p:extLst>
-      <p:ext uri="{BB962C8B-B14F-4D97-AF65-F5344CB8AC3E}">
-        <p14:creationId xmlns:p14="http://schemas.microsoft.com/office/powerpoint/2010/main" val="1209701672"/>
-      </p:ext>
-    </p:extLst>
   </p:cSld>
   <p:clrMapOvr>
     <a:masterClrMapping/>
@@ -33067,6 +32654,7 @@
               <a:rPr lang="en-US" b="1" smtClean="0"/>
               <a:t>Data Mining Tasks (Functionalities)</a:t>
             </a:r>
+            <a:endParaRPr lang="en-US" b="1" smtClean="0"/>
           </a:p>
         </p:txBody>
       </p:sp>
@@ -33095,6 +32683,7 @@
               <a:rPr lang="en-US" dirty="0" smtClean="0"/>
               <a:t>Concept/Class Description</a:t>
             </a:r>
+            <a:endParaRPr lang="en-US" dirty="0" smtClean="0"/>
           </a:p>
           <a:p>
             <a:pPr lvl="2" eaLnBrk="1" hangingPunct="1"/>
@@ -33102,6 +32691,7 @@
               <a:rPr lang="en-US" dirty="0" smtClean="0"/>
               <a:t>Mining Frequent Patterns, Associations, and Correlations</a:t>
             </a:r>
+            <a:endParaRPr lang="en-US" dirty="0" smtClean="0"/>
           </a:p>
           <a:p>
             <a:pPr lvl="2" eaLnBrk="1" hangingPunct="1"/>
@@ -33109,6 +32699,7 @@
               <a:rPr lang="en-US" dirty="0" smtClean="0"/>
               <a:t>Classification </a:t>
             </a:r>
+            <a:endParaRPr lang="en-US" dirty="0" smtClean="0"/>
           </a:p>
           <a:p>
             <a:pPr lvl="2" eaLnBrk="1" hangingPunct="1"/>
@@ -33116,6 +32707,7 @@
               <a:rPr lang="en-US" dirty="0" smtClean="0"/>
               <a:t>Prediction</a:t>
             </a:r>
+            <a:endParaRPr lang="en-US" dirty="0" smtClean="0"/>
           </a:p>
           <a:p>
             <a:pPr lvl="2" eaLnBrk="1" hangingPunct="1"/>
@@ -33123,6 +32715,7 @@
               <a:rPr lang="en-US" dirty="0" smtClean="0"/>
               <a:t>Cluster Analysis</a:t>
             </a:r>
+            <a:endParaRPr lang="en-US" dirty="0" smtClean="0"/>
           </a:p>
           <a:p>
             <a:pPr lvl="2" eaLnBrk="1" hangingPunct="1"/>
@@ -33130,6 +32723,7 @@
               <a:rPr lang="en-US" dirty="0" smtClean="0"/>
               <a:t>Outlier Analysis</a:t>
             </a:r>
+            <a:endParaRPr lang="en-US" dirty="0" smtClean="0"/>
           </a:p>
           <a:p>
             <a:pPr lvl="2" eaLnBrk="1" hangingPunct="1"/>
@@ -33137,6 +32731,7 @@
               <a:rPr lang="en-US" dirty="0" smtClean="0"/>
               <a:t>Evolution Analysis</a:t>
             </a:r>
+            <a:endParaRPr lang="en-US" dirty="0" smtClean="0"/>
           </a:p>
           <a:p>
             <a:pPr lvl="2" eaLnBrk="1" hangingPunct="1"/>
@@ -33331,14 +32926,6 @@
                 </a:solidFill>
                 <a:latin typeface="Arial" panose="020B0604020202020204" pitchFamily="34" charset="0"/>
               </a:rPr>
-              <a:pPr>
-                <a:spcBef>
-                  <a:spcPct val="0"/>
-                </a:spcBef>
-                <a:buFontTx/>
-                <a:buNone/>
-              </a:pPr>
-              <a:t>7</a:t>
             </a:fld>
             <a:endParaRPr lang="en-US" sz="1200">
               <a:solidFill>
@@ -33350,11 +32937,6 @@
         </p:txBody>
       </p:sp>
     </p:spTree>
-    <p:extLst>
-      <p:ext uri="{BB962C8B-B14F-4D97-AF65-F5344CB8AC3E}">
-        <p14:creationId xmlns:p14="http://schemas.microsoft.com/office/powerpoint/2010/main" val="3529383098"/>
-      </p:ext>
-    </p:extLst>
   </p:cSld>
   <p:clrMapOvr>
     <a:masterClrMapping/>
@@ -33406,6 +32988,7 @@
               <a:rPr lang="en-US" b="1" smtClean="0"/>
               <a:t>Data Mining Tasks (Functionalities)...</a:t>
             </a:r>
+            <a:endParaRPr lang="en-US" b="1" smtClean="0"/>
           </a:p>
         </p:txBody>
       </p:sp>
@@ -33442,6 +33025,11 @@
               </a:rPr>
               <a:t>Concept/Class Description</a:t>
             </a:r>
+            <a:endParaRPr lang="en-US" b="1" dirty="0">
+              <a:solidFill>
+                <a:srgbClr val="C00000"/>
+              </a:solidFill>
+            </a:endParaRPr>
           </a:p>
           <a:p>
             <a:pPr lvl="1" algn="just" eaLnBrk="1" hangingPunct="1">
@@ -33451,6 +33039,7 @@
               <a:rPr lang="en-US" dirty="0"/>
               <a:t>These descriptions can be derived via data characterization or data discrimination.</a:t>
             </a:r>
+            <a:endParaRPr lang="en-US" dirty="0"/>
           </a:p>
           <a:p>
             <a:pPr lvl="2" algn="just" eaLnBrk="1" hangingPunct="1">
@@ -33484,6 +33073,7 @@
               <a:rPr lang="en-US" dirty="0" smtClean="0"/>
               <a:t>month.</a:t>
             </a:r>
+            <a:endParaRPr lang="en-US" dirty="0" smtClean="0"/>
           </a:p>
           <a:p>
             <a:pPr lvl="2" algn="just" eaLnBrk="1" hangingPunct="1">
@@ -33685,14 +33275,6 @@
                 </a:solidFill>
                 <a:latin typeface="Arial" panose="020B0604020202020204" pitchFamily="34" charset="0"/>
               </a:rPr>
-              <a:pPr>
-                <a:spcBef>
-                  <a:spcPct val="0"/>
-                </a:spcBef>
-                <a:buFontTx/>
-                <a:buNone/>
-              </a:pPr>
-              <a:t>8</a:t>
             </a:fld>
             <a:endParaRPr lang="en-US" sz="1200">
               <a:solidFill>
@@ -33704,11 +33286,6 @@
         </p:txBody>
       </p:sp>
     </p:spTree>
-    <p:extLst>
-      <p:ext uri="{BB962C8B-B14F-4D97-AF65-F5344CB8AC3E}">
-        <p14:creationId xmlns:p14="http://schemas.microsoft.com/office/powerpoint/2010/main" val="1124901279"/>
-      </p:ext>
-    </p:extLst>
   </p:cSld>
   <p:clrMapOvr>
     <a:masterClrMapping/>
@@ -33760,6 +33337,7 @@
               <a:rPr lang="en-US" b="1" smtClean="0"/>
               <a:t>Classification: Definition</a:t>
             </a:r>
+            <a:endParaRPr lang="en-US" b="1" smtClean="0"/>
           </a:p>
         </p:txBody>
       </p:sp>
@@ -33840,6 +33418,7 @@
               <a:rPr lang="en-US" sz="2400"/>
               <a:t>  for class attribute as a function of the values of other attributes.</a:t>
             </a:r>
+            <a:endParaRPr lang="en-US" sz="2400"/>
           </a:p>
           <a:p>
             <a:pPr algn="just" eaLnBrk="1" hangingPunct="1">
@@ -33859,6 +33438,7 @@
               <a:rPr lang="en-US" sz="2400"/>
               <a:t> records should be assigned a class as accurately as possible.</a:t>
             </a:r>
+            <a:endParaRPr lang="en-US" sz="2400"/>
           </a:p>
           <a:p>
             <a:pPr lvl="1" algn="just" eaLnBrk="1" hangingPunct="1">
@@ -33882,6 +33462,7 @@
               <a:rPr lang="en-US"/>
               <a:t> is used to determine the accuracy of the model. Usually, the given data set is divided into training and test sets, with training set used to build the model and test set used to validate it.</a:t>
             </a:r>
+            <a:endParaRPr lang="en-US"/>
           </a:p>
         </p:txBody>
       </p:sp>
@@ -34065,14 +33646,6 @@
                 </a:solidFill>
                 <a:latin typeface="Arial" panose="020B0604020202020204" pitchFamily="34" charset="0"/>
               </a:rPr>
-              <a:pPr>
-                <a:spcBef>
-                  <a:spcPct val="0"/>
-                </a:spcBef>
-                <a:buFontTx/>
-                <a:buNone/>
-              </a:pPr>
-              <a:t>9</a:t>
             </a:fld>
             <a:endParaRPr lang="en-US" sz="1200">
               <a:solidFill>
@@ -34084,11 +33657,6 @@
         </p:txBody>
       </p:sp>
     </p:spTree>
-    <p:extLst>
-      <p:ext uri="{BB962C8B-B14F-4D97-AF65-F5344CB8AC3E}">
-        <p14:creationId xmlns:p14="http://schemas.microsoft.com/office/powerpoint/2010/main" val="983159660"/>
-      </p:ext>
-    </p:extLst>
   </p:cSld>
   <p:clrMapOvr>
     <a:masterClrMapping/>
@@ -34146,7 +33714,7 @@
     </a:clrScheme>
     <a:fontScheme name="Office">
       <a:majorFont>
-        <a:latin typeface="Calibri Light" panose="020F0302020204030204"/>
+        <a:latin typeface="Calibri Light"/>
         <a:ea typeface=""/>
         <a:cs typeface=""/>
         <a:font script="Jpan" typeface="ＭＳ Ｐゴシック"/>
@@ -34181,7 +33749,7 @@
         <a:font script="Geor" typeface="Sylfaen"/>
       </a:majorFont>
       <a:minorFont>
-        <a:latin typeface="Calibri" panose="020F0502020204030204"/>
+        <a:latin typeface="Calibri"/>
         <a:ea typeface=""/>
         <a:cs typeface=""/>
         <a:font script="Jpan" typeface="ＭＳ Ｐゴシック"/>
@@ -34354,8 +33922,6 @@
       </a:bgFillStyleLst>
     </a:fmtScheme>
   </a:themeElements>
-  <a:objectDefaults/>
-  <a:extraClrSchemeLst/>
   <a:extLst>
     <a:ext uri="{05A4C25C-085E-4340-85A3-A5531E510DB2}">
       <thm15:themeFamily xmlns:thm15="http://schemas.microsoft.com/office/thememl/2012/main" name="Office Theme" id="{62F939B6-93AF-4DB8-9C6B-D6C7DFDC589F}" vid="{4A3C46E8-61CC-4603-A589-7422A47A8E4A}"/>
@@ -34407,7 +33973,7 @@
     </a:clrScheme>
     <a:fontScheme name="Office">
       <a:majorFont>
-        <a:latin typeface="Calibri Light" panose="020F0302020204030204"/>
+        <a:latin typeface="Calibri Light"/>
         <a:ea typeface=""/>
         <a:cs typeface=""/>
         <a:font script="Jpan" typeface="ＭＳ Ｐゴシック"/>
@@ -34442,7 +34008,7 @@
         <a:font script="Geor" typeface="Sylfaen"/>
       </a:majorFont>
       <a:minorFont>
-        <a:latin typeface="Calibri" panose="020F0502020204030204"/>
+        <a:latin typeface="Calibri"/>
         <a:ea typeface=""/>
         <a:cs typeface=""/>
         <a:font script="Jpan" typeface="ＭＳ Ｐゴシック"/>
@@ -34615,8 +34181,6 @@
       </a:bgFillStyleLst>
     </a:fmtScheme>
   </a:themeElements>
-  <a:objectDefaults/>
-  <a:extraClrSchemeLst/>
   <a:extLst>
     <a:ext uri="{05A4C25C-085E-4340-85A3-A5531E510DB2}">
       <thm15:themeFamily xmlns:thm15="http://schemas.microsoft.com/office/thememl/2012/main" name="Office Theme" id="{62F939B6-93AF-4DB8-9C6B-D6C7DFDC589F}" vid="{4A3C46E8-61CC-4603-A589-7422A47A8E4A}"/>
@@ -34668,7 +34232,7 @@
     </a:clrScheme>
     <a:fontScheme name="Office">
       <a:majorFont>
-        <a:latin typeface="Calibri Light" panose="020F0302020204030204"/>
+        <a:latin typeface="Calibri Light"/>
         <a:ea typeface=""/>
         <a:cs typeface=""/>
         <a:font script="Jpan" typeface="ＭＳ Ｐゴシック"/>
@@ -34703,7 +34267,7 @@
         <a:font script="Geor" typeface="Sylfaen"/>
       </a:majorFont>
       <a:minorFont>
-        <a:latin typeface="Calibri" panose="020F0502020204030204"/>
+        <a:latin typeface="Calibri"/>
         <a:ea typeface=""/>
         <a:cs typeface=""/>
         <a:font script="Jpan" typeface="ＭＳ Ｐゴシック"/>
@@ -34876,8 +34440,6 @@
       </a:bgFillStyleLst>
     </a:fmtScheme>
   </a:themeElements>
-  <a:objectDefaults/>
-  <a:extraClrSchemeLst/>
   <a:extLst>
     <a:ext uri="{05A4C25C-085E-4340-85A3-A5531E510DB2}">
       <thm15:themeFamily xmlns:thm15="http://schemas.microsoft.com/office/thememl/2012/main" name="Office Theme" id="{62F939B6-93AF-4DB8-9C6B-D6C7DFDC589F}" vid="{4A3C46E8-61CC-4603-A589-7422A47A8E4A}"/>
